--- a/doc/MofumUI设计.pptx
+++ b/doc/MofumUI设计.pptx
@@ -5,7 +5,7 @@
     <p:sldMasterId id="2147483648" r:id="rId1"/>
   </p:sldMasterIdLst>
   <p:notesMasterIdLst>
-    <p:notesMasterId r:id="rId25"/>
+    <p:notesMasterId r:id="rId26"/>
   </p:notesMasterIdLst>
   <p:sldIdLst>
     <p:sldId id="256" r:id="rId3"/>
@@ -16,21 +16,24 @@
     <p:sldId id="270" r:id="rId8"/>
     <p:sldId id="271" r:id="rId9"/>
     <p:sldId id="294" r:id="rId10"/>
-    <p:sldId id="295" r:id="rId11"/>
-    <p:sldId id="269" r:id="rId12"/>
-    <p:sldId id="261" r:id="rId13"/>
-    <p:sldId id="268" r:id="rId14"/>
-    <p:sldId id="293" r:id="rId15"/>
-    <p:sldId id="259" r:id="rId16"/>
-    <p:sldId id="265" r:id="rId17"/>
-    <p:sldId id="266" r:id="rId18"/>
-    <p:sldId id="267" r:id="rId19"/>
-    <p:sldId id="263" r:id="rId20"/>
-    <p:sldId id="264" r:id="rId21"/>
-    <p:sldId id="289" r:id="rId22"/>
-    <p:sldId id="286" r:id="rId23"/>
-    <p:sldId id="287" r:id="rId24"/>
-    <p:sldId id="288" r:id="rId26"/>
+    <p:sldId id="310" r:id="rId11"/>
+    <p:sldId id="295" r:id="rId12"/>
+    <p:sldId id="269" r:id="rId13"/>
+    <p:sldId id="261" r:id="rId14"/>
+    <p:sldId id="268" r:id="rId15"/>
+    <p:sldId id="293" r:id="rId16"/>
+    <p:sldId id="259" r:id="rId17"/>
+    <p:sldId id="265" r:id="rId18"/>
+    <p:sldId id="266" r:id="rId19"/>
+    <p:sldId id="267" r:id="rId20"/>
+    <p:sldId id="263" r:id="rId21"/>
+    <p:sldId id="264" r:id="rId22"/>
+    <p:sldId id="289" r:id="rId23"/>
+    <p:sldId id="286" r:id="rId24"/>
+    <p:sldId id="287" r:id="rId25"/>
+    <p:sldId id="288" r:id="rId27"/>
+    <p:sldId id="311" r:id="rId28"/>
+    <p:sldId id="312" r:id="rId29"/>
   </p:sldIdLst>
   <p:sldSz cx="12192000" cy="6858000"/>
   <p:notesSz cx="6858000" cy="9144000"/>
@@ -3493,13 +3496,13 @@
               <a:rPr lang="zh-CN" altLang="en-US">
                 <a:sym typeface="+mn-ea"/>
               </a:rPr>
-              <a:t>表格和树组件（</a:t>
-            </a:r>
-            <a:r>
-              <a:rPr lang="en-US" altLang="zh-CN">
-                <a:sym typeface="+mn-ea"/>
-              </a:rPr>
-              <a:t>Table</a:t>
+              <a:t>菜单（</a:t>
+            </a:r>
+            <a:r>
+              <a:rPr lang="en-US" altLang="zh-CN">
+                <a:sym typeface="+mn-ea"/>
+              </a:rPr>
+              <a:t>Menu</a:t>
             </a:r>
             <a:r>
               <a:rPr lang="zh-CN" altLang="en-US">
@@ -3507,7 +3510,7 @@
               </a:rPr>
               <a:t>）</a:t>
             </a:r>
-            <a:endParaRPr lang="en-US" altLang="zh-CN"/>
+            <a:endParaRPr lang="zh-CN" altLang="en-US"/>
           </a:p>
         </p:txBody>
       </p:sp>
@@ -3523,156 +3526,84 @@
         </p:nvSpPr>
         <p:spPr/>
         <p:txBody>
-          <a:bodyPr>
-            <a:normAutofit lnSpcReduction="20000"/>
-          </a:bodyPr>
-          <a:p>
-            <a:r>
-              <a:rPr lang="zh-CN" altLang="en-US"/>
-              <a:t>静态表格（</a:t>
-            </a:r>
-            <a:r>
-              <a:rPr lang="en-US" altLang="zh-CN">
-                <a:sym typeface="+mn-ea"/>
-              </a:rPr>
-              <a:t>M</a:t>
-            </a:r>
-            <a:r>
-              <a:rPr lang="en-US" altLang="zh-CN"/>
-              <a:t>StaticTable</a:t>
-            </a:r>
-            <a:r>
-              <a:rPr lang="zh-CN" altLang="en-US"/>
-              <a:t>）</a:t>
-            </a:r>
-            <a:endParaRPr lang="zh-CN" altLang="en-US"/>
-          </a:p>
-          <a:p>
-            <a:r>
-              <a:rPr lang="zh-CN" altLang="en-US"/>
-              <a:t>数据表格（</a:t>
-            </a:r>
-            <a:r>
-              <a:rPr lang="en-US" altLang="zh-CN">
-                <a:sym typeface="+mn-ea"/>
-              </a:rPr>
-              <a:t>M</a:t>
-            </a:r>
-            <a:r>
-              <a:rPr lang="en-US" altLang="zh-CN"/>
-              <a:t>DataTable</a:t>
-            </a:r>
-            <a:r>
-              <a:rPr lang="zh-CN" altLang="en-US"/>
-              <a:t>）</a:t>
-            </a:r>
-            <a:endParaRPr lang="en-US" altLang="zh-CN"/>
-          </a:p>
-          <a:p>
-            <a:r>
-              <a:rPr lang="zh-CN" altLang="en-US"/>
-              <a:t>树状表格（</a:t>
-            </a:r>
-            <a:r>
-              <a:rPr lang="en-US" altLang="zh-CN">
-                <a:sym typeface="+mn-ea"/>
-              </a:rPr>
-              <a:t>M</a:t>
-            </a:r>
-            <a:r>
-              <a:rPr lang="en-US" altLang="zh-CN"/>
-              <a:t>TreeTable</a:t>
-            </a:r>
-            <a:r>
-              <a:rPr lang="zh-CN" altLang="en-US"/>
-              <a:t>）</a:t>
-            </a:r>
-            <a:endParaRPr lang="zh-CN" altLang="en-US"/>
-          </a:p>
-          <a:p>
-            <a:r>
-              <a:rPr lang="zh-CN" altLang="en-US"/>
-              <a:t>树组件（</a:t>
-            </a:r>
-            <a:r>
-              <a:rPr lang="en-US" altLang="zh-CN">
-                <a:sym typeface="+mn-ea"/>
-              </a:rPr>
-              <a:t>M</a:t>
-            </a:r>
-            <a:r>
-              <a:rPr lang="en-US" altLang="zh-CN"/>
-              <a:t>Tree</a:t>
-            </a:r>
-            <a:r>
-              <a:rPr lang="zh-CN" altLang="en-US"/>
-              <a:t>）</a:t>
-            </a:r>
-            <a:endParaRPr lang="zh-CN" altLang="en-US"/>
-          </a:p>
-          <a:p>
-            <a:r>
-              <a:rPr lang="zh-CN" altLang="zh-CN"/>
-              <a:t>表内容（MTableContent）</a:t>
-            </a:r>
-            <a:endParaRPr lang="zh-CN" altLang="zh-CN"/>
-          </a:p>
-          <a:p>
-            <a:r>
-              <a:rPr lang="zh-CN" altLang="en-US"/>
-              <a:t>表头部（MTableHeader）</a:t>
-            </a:r>
-            <a:endParaRPr lang="zh-CN" altLang="en-US"/>
-          </a:p>
-          <a:p>
-            <a:r>
-              <a:rPr lang="zh-CN" altLang="en-US"/>
-              <a:t>表底部</a:t>
+          <a:bodyPr/>
+          <a:p>
+            <a:r>
+              <a:rPr lang="zh-CN" altLang="en-US"/>
+              <a:t>菜单（</a:t>
+            </a:r>
+            <a:r>
+              <a:rPr lang="en-US" altLang="zh-CN"/>
+              <a:t>MMenu</a:t>
+            </a:r>
+            <a:r>
+              <a:rPr lang="zh-CN" altLang="en-US"/>
+              <a:t>）</a:t>
+            </a:r>
+            <a:endParaRPr lang="zh-CN" altLang="en-US"/>
+          </a:p>
+          <a:p>
+            <a:r>
+              <a:rPr lang="zh-CN" altLang="en-US"/>
+              <a:t>菜单栏（</a:t>
+            </a:r>
+            <a:r>
+              <a:rPr lang="en-US" altLang="zh-CN"/>
+              <a:t>MMenuBar</a:t>
+            </a:r>
+            <a:r>
+              <a:rPr lang="zh-CN" altLang="en-US"/>
+              <a:t>）</a:t>
+            </a:r>
+            <a:endParaRPr lang="zh-CN" altLang="en-US"/>
+          </a:p>
+          <a:p>
+            <a:r>
+              <a:rPr lang="zh-CN" altLang="en-US"/>
+              <a:t>网页菜单</a:t>
             </a:r>
             <a:r>
               <a:rPr lang="zh-CN" altLang="en-US">
                 <a:sym typeface="+mn-ea"/>
               </a:rPr>
-              <a:t>（MTableFooter）</a:t>
-            </a:r>
-            <a:endParaRPr lang="zh-CN" altLang="en-US"/>
-          </a:p>
-          <a:p>
-            <a:r>
-              <a:rPr lang="zh-CN" altLang="en-US"/>
-              <a:t>表头部行</a:t>
+              <a:t>（</a:t>
+            </a:r>
+            <a:r>
+              <a:rPr lang="en-US" altLang="zh-CN">
+                <a:sym typeface="+mn-ea"/>
+              </a:rPr>
+              <a:t>MMenuContext</a:t>
             </a:r>
             <a:r>
               <a:rPr lang="zh-CN" altLang="en-US">
                 <a:sym typeface="+mn-ea"/>
               </a:rPr>
-              <a:t>（MTableHeadRow）</a:t>
-            </a:r>
-            <a:endParaRPr lang="zh-CN" altLang="en-US"/>
-          </a:p>
-          <a:p>
-            <a:r>
-              <a:rPr lang="zh-CN" altLang="en-US"/>
-              <a:t>表行</a:t>
+              <a:t>）</a:t>
+            </a:r>
+            <a:endParaRPr lang="zh-CN" altLang="en-US"/>
+          </a:p>
+          <a:p>
+            <a:r>
+              <a:rPr lang="zh-CN" altLang="en-US"/>
+              <a:t>菜单项</a:t>
             </a:r>
             <a:r>
               <a:rPr lang="zh-CN" altLang="en-US">
                 <a:sym typeface="+mn-ea"/>
               </a:rPr>
-              <a:t>（MTableRow）</a:t>
-            </a:r>
-            <a:endParaRPr lang="zh-CN" altLang="en-US"/>
-          </a:p>
-          <a:p>
-            <a:r>
-              <a:rPr lang="zh-CN" altLang="en-US"/>
-              <a:t>表格</a:t>
+              <a:t>（</a:t>
+            </a:r>
+            <a:r>
+              <a:rPr lang="en-US" altLang="zh-CN">
+                <a:sym typeface="+mn-ea"/>
+              </a:rPr>
+              <a:t>MMenuItem</a:t>
             </a:r>
             <a:r>
               <a:rPr lang="zh-CN" altLang="en-US">
                 <a:sym typeface="+mn-ea"/>
               </a:rPr>
-              <a:t>（MTableGrid）</a:t>
+              <a:t>）</a:t>
             </a:r>
             <a:endParaRPr lang="zh-CN" altLang="en-US"/>
           </a:p>
@@ -3708,7 +3639,9 @@
         </p:nvSpPr>
         <p:spPr/>
         <p:txBody>
-          <a:bodyPr/>
+          <a:bodyPr>
+            <a:normAutofit/>
+          </a:bodyPr>
           <a:p>
             <a:r>
               <a:rPr lang="en-US" altLang="zh-CN" b="1">
@@ -3744,13 +3677,13 @@
               <a:rPr lang="zh-CN" altLang="en-US">
                 <a:sym typeface="+mn-ea"/>
               </a:rPr>
-              <a:t>表单组件（</a:t>
-            </a:r>
-            <a:r>
-              <a:rPr lang="en-US" altLang="zh-CN">
-                <a:sym typeface="+mn-ea"/>
-              </a:rPr>
-              <a:t>Form</a:t>
+              <a:t>表格和树组件（</a:t>
+            </a:r>
+            <a:r>
+              <a:rPr lang="en-US" altLang="zh-CN">
+                <a:sym typeface="+mn-ea"/>
+              </a:rPr>
+              <a:t>Table</a:t>
             </a:r>
             <a:r>
               <a:rPr lang="zh-CN" altLang="en-US">
@@ -3758,15 +3691,7 @@
               </a:rPr>
               <a:t>）</a:t>
             </a:r>
-            <a:r>
-              <a:rPr lang="en-US" altLang="zh-CN">
-                <a:sym typeface="+mn-ea"/>
-              </a:rPr>
-              <a:t>- 1</a:t>
-            </a:r>
-            <a:endParaRPr lang="en-US" altLang="zh-CN">
-              <a:sym typeface="+mn-ea"/>
-            </a:endParaRPr>
+            <a:endParaRPr lang="en-US" altLang="zh-CN"/>
           </a:p>
         </p:txBody>
       </p:sp>
@@ -3782,236 +3707,156 @@
         </p:nvSpPr>
         <p:spPr/>
         <p:txBody>
-          <a:bodyPr/>
-          <a:p>
-            <a:r>
-              <a:rPr lang="zh-CN" altLang="en-US"/>
-              <a:t>文本框组件（</a:t>
-            </a:r>
-            <a:r>
-              <a:rPr lang="en-US" altLang="zh-CN">
-                <a:sym typeface="+mn-ea"/>
-              </a:rPr>
-              <a:t>MF</a:t>
-            </a:r>
-            <a:r>
-              <a:rPr lang="en-US" altLang="zh-CN"/>
-              <a:t>Text</a:t>
-            </a:r>
-            <a:r>
-              <a:rPr lang="zh-CN" altLang="en-US"/>
-              <a:t>）</a:t>
-            </a:r>
-            <a:endParaRPr lang="zh-CN" altLang="en-US"/>
-          </a:p>
-          <a:p>
-            <a:r>
-              <a:rPr lang="zh-CN" altLang="en-US"/>
-              <a:t>密码框</a:t>
+          <a:bodyPr>
+            <a:normAutofit lnSpcReduction="20000"/>
+          </a:bodyPr>
+          <a:p>
+            <a:r>
+              <a:rPr lang="zh-CN" altLang="en-US"/>
+              <a:t>静态表格（</a:t>
+            </a:r>
+            <a:r>
+              <a:rPr lang="en-US" altLang="zh-CN">
+                <a:sym typeface="+mn-ea"/>
+              </a:rPr>
+              <a:t>M</a:t>
+            </a:r>
+            <a:r>
+              <a:rPr lang="en-US" altLang="zh-CN"/>
+              <a:t>StaticTable</a:t>
+            </a:r>
+            <a:r>
+              <a:rPr lang="zh-CN" altLang="en-US"/>
+              <a:t>）</a:t>
+            </a:r>
+            <a:endParaRPr lang="zh-CN" altLang="en-US"/>
+          </a:p>
+          <a:p>
+            <a:r>
+              <a:rPr lang="zh-CN" altLang="en-US"/>
+              <a:t>数据表格（</a:t>
+            </a:r>
+            <a:r>
+              <a:rPr lang="en-US" altLang="zh-CN">
+                <a:sym typeface="+mn-ea"/>
+              </a:rPr>
+              <a:t>M</a:t>
+            </a:r>
+            <a:r>
+              <a:rPr lang="en-US" altLang="zh-CN"/>
+              <a:t>DataTable</a:t>
+            </a:r>
+            <a:r>
+              <a:rPr lang="zh-CN" altLang="en-US"/>
+              <a:t>）</a:t>
+            </a:r>
+            <a:endParaRPr lang="en-US" altLang="zh-CN"/>
+          </a:p>
+          <a:p>
+            <a:r>
+              <a:rPr lang="zh-CN" altLang="en-US"/>
+              <a:t>树状表格（</a:t>
+            </a:r>
+            <a:r>
+              <a:rPr lang="en-US" altLang="zh-CN">
+                <a:sym typeface="+mn-ea"/>
+              </a:rPr>
+              <a:t>M</a:t>
+            </a:r>
+            <a:r>
+              <a:rPr lang="en-US" altLang="zh-CN"/>
+              <a:t>TreeTable</a:t>
+            </a:r>
+            <a:r>
+              <a:rPr lang="zh-CN" altLang="en-US"/>
+              <a:t>）</a:t>
+            </a:r>
+            <a:endParaRPr lang="zh-CN" altLang="en-US"/>
+          </a:p>
+          <a:p>
+            <a:r>
+              <a:rPr lang="zh-CN" altLang="en-US"/>
+              <a:t>树组件（</a:t>
+            </a:r>
+            <a:r>
+              <a:rPr lang="en-US" altLang="zh-CN">
+                <a:sym typeface="+mn-ea"/>
+              </a:rPr>
+              <a:t>M</a:t>
+            </a:r>
+            <a:r>
+              <a:rPr lang="en-US" altLang="zh-CN"/>
+              <a:t>Tree</a:t>
+            </a:r>
+            <a:r>
+              <a:rPr lang="zh-CN" altLang="en-US"/>
+              <a:t>）</a:t>
+            </a:r>
+            <a:endParaRPr lang="zh-CN" altLang="en-US"/>
+          </a:p>
+          <a:p>
+            <a:r>
+              <a:rPr lang="zh-CN" altLang="zh-CN"/>
+              <a:t>表内容（MTableContent）</a:t>
+            </a:r>
+            <a:endParaRPr lang="zh-CN" altLang="zh-CN"/>
+          </a:p>
+          <a:p>
+            <a:r>
+              <a:rPr lang="zh-CN" altLang="en-US"/>
+              <a:t>表头部（MTableHeader）</a:t>
+            </a:r>
+            <a:endParaRPr lang="zh-CN" altLang="en-US"/>
+          </a:p>
+          <a:p>
+            <a:r>
+              <a:rPr lang="zh-CN" altLang="en-US"/>
+              <a:t>表底部</a:t>
             </a:r>
             <a:r>
               <a:rPr lang="zh-CN" altLang="en-US">
                 <a:sym typeface="+mn-ea"/>
               </a:rPr>
-              <a:t>组件</a:t>
-            </a:r>
-            <a:r>
-              <a:rPr lang="zh-CN" altLang="en-US"/>
-              <a:t>（</a:t>
-            </a:r>
-            <a:r>
-              <a:rPr lang="en-US" altLang="zh-CN">
-                <a:sym typeface="+mn-ea"/>
-              </a:rPr>
-              <a:t>MF</a:t>
-            </a:r>
-            <a:r>
-              <a:rPr lang="en-US" altLang="zh-CN"/>
-              <a:t>Password</a:t>
-            </a:r>
-            <a:r>
-              <a:rPr lang="zh-CN" altLang="en-US"/>
-              <a:t>）</a:t>
-            </a:r>
-            <a:endParaRPr lang="en-US" altLang="zh-CN"/>
-          </a:p>
-          <a:p>
-            <a:r>
-              <a:rPr lang="zh-CN" altLang="en-US"/>
-              <a:t>单选框</a:t>
+              <a:t>（MTableFooter）</a:t>
+            </a:r>
+            <a:endParaRPr lang="zh-CN" altLang="en-US"/>
+          </a:p>
+          <a:p>
+            <a:r>
+              <a:rPr lang="zh-CN" altLang="en-US"/>
+              <a:t>表头部行</a:t>
             </a:r>
             <a:r>
               <a:rPr lang="zh-CN" altLang="en-US">
                 <a:sym typeface="+mn-ea"/>
               </a:rPr>
-              <a:t>组件</a:t>
-            </a:r>
-            <a:r>
-              <a:rPr lang="zh-CN" altLang="en-US"/>
-              <a:t>（</a:t>
-            </a:r>
-            <a:r>
-              <a:rPr lang="en-US" altLang="zh-CN">
-                <a:sym typeface="+mn-ea"/>
-              </a:rPr>
-              <a:t>MF</a:t>
-            </a:r>
-            <a:r>
-              <a:rPr lang="en-US" altLang="zh-CN"/>
-              <a:t>Radio</a:t>
-            </a:r>
-            <a:r>
-              <a:rPr lang="zh-CN" altLang="en-US"/>
-              <a:t>）</a:t>
-            </a:r>
-            <a:endParaRPr lang="en-US" altLang="zh-CN"/>
-          </a:p>
-          <a:p>
-            <a:r>
-              <a:rPr lang="zh-CN" altLang="en-US"/>
-              <a:t>多选框</a:t>
+              <a:t>（MTableHeadRow）</a:t>
+            </a:r>
+            <a:endParaRPr lang="zh-CN" altLang="en-US"/>
+          </a:p>
+          <a:p>
+            <a:r>
+              <a:rPr lang="zh-CN" altLang="en-US"/>
+              <a:t>表行</a:t>
             </a:r>
             <a:r>
               <a:rPr lang="zh-CN" altLang="en-US">
                 <a:sym typeface="+mn-ea"/>
               </a:rPr>
-              <a:t>组件</a:t>
-            </a:r>
-            <a:r>
-              <a:rPr lang="zh-CN" altLang="en-US"/>
-              <a:t>（</a:t>
-            </a:r>
-            <a:r>
-              <a:rPr lang="en-US" altLang="zh-CN">
-                <a:sym typeface="+mn-ea"/>
-              </a:rPr>
-              <a:t>MF</a:t>
-            </a:r>
-            <a:r>
-              <a:rPr lang="en-US" altLang="zh-CN"/>
-              <a:t>Checkbox</a:t>
-            </a:r>
-            <a:r>
-              <a:rPr lang="zh-CN" altLang="en-US"/>
-              <a:t>）</a:t>
-            </a:r>
-            <a:endParaRPr lang="en-US" altLang="zh-CN"/>
-          </a:p>
-          <a:p>
-            <a:r>
-              <a:rPr lang="zh-CN" altLang="en-US"/>
-              <a:t>下拉列表框</a:t>
+              <a:t>（MTableRow）</a:t>
+            </a:r>
+            <a:endParaRPr lang="zh-CN" altLang="en-US"/>
+          </a:p>
+          <a:p>
+            <a:r>
+              <a:rPr lang="zh-CN" altLang="en-US"/>
+              <a:t>表格</a:t>
             </a:r>
             <a:r>
               <a:rPr lang="zh-CN" altLang="en-US">
                 <a:sym typeface="+mn-ea"/>
               </a:rPr>
-              <a:t>组件</a:t>
-            </a:r>
-            <a:r>
-              <a:rPr lang="zh-CN" altLang="en-US"/>
-              <a:t>（</a:t>
-            </a:r>
-            <a:r>
-              <a:rPr lang="en-US" altLang="zh-CN">
-                <a:sym typeface="+mn-ea"/>
-              </a:rPr>
-              <a:t>MF</a:t>
-            </a:r>
-            <a:r>
-              <a:rPr lang="en-US" altLang="zh-CN"/>
-              <a:t>Selection</a:t>
-            </a:r>
-            <a:r>
-              <a:rPr lang="zh-CN" altLang="en-US"/>
-              <a:t>）</a:t>
-            </a:r>
-            <a:endParaRPr lang="en-US" altLang="zh-CN"/>
-          </a:p>
-          <a:p>
-            <a:r>
-              <a:rPr lang="zh-CN" altLang="en-US"/>
-              <a:t>标签框</a:t>
-            </a:r>
-            <a:r>
-              <a:rPr lang="zh-CN" altLang="en-US">
-                <a:sym typeface="+mn-ea"/>
-              </a:rPr>
-              <a:t>组件</a:t>
-            </a:r>
-            <a:r>
-              <a:rPr lang="zh-CN" altLang="en-US"/>
-              <a:t>（</a:t>
-            </a:r>
-            <a:r>
-              <a:rPr lang="en-US" altLang="zh-CN">
-                <a:sym typeface="+mn-ea"/>
-              </a:rPr>
-              <a:t>MF</a:t>
-            </a:r>
-            <a:r>
-              <a:rPr lang="en-US" altLang="zh-CN"/>
-              <a:t>Tag</a:t>
-            </a:r>
-            <a:r>
-              <a:rPr lang="zh-CN" altLang="en-US"/>
-              <a:t>）</a:t>
-            </a:r>
-            <a:endParaRPr lang="en-US" altLang="zh-CN"/>
-          </a:p>
-          <a:p>
-            <a:r>
-              <a:rPr lang="zh-CN" altLang="en-US"/>
-              <a:t>日历框</a:t>
-            </a:r>
-            <a:r>
-              <a:rPr lang="zh-CN" altLang="en-US">
-                <a:sym typeface="+mn-ea"/>
-              </a:rPr>
-              <a:t>组件</a:t>
-            </a:r>
-            <a:r>
-              <a:rPr lang="zh-CN" altLang="en-US"/>
-              <a:t>（</a:t>
-            </a:r>
-            <a:r>
-              <a:rPr lang="en-US" altLang="zh-CN">
-                <a:sym typeface="+mn-ea"/>
-              </a:rPr>
-              <a:t>MF</a:t>
-            </a:r>
-            <a:r>
-              <a:rPr lang="en-US" altLang="zh-CN"/>
-              <a:t>Calendar</a:t>
-            </a:r>
-            <a:r>
-              <a:rPr lang="zh-CN" altLang="en-US"/>
-              <a:t>）</a:t>
-            </a:r>
-            <a:endParaRPr lang="en-US" altLang="zh-CN"/>
-          </a:p>
-          <a:p>
-            <a:r>
-              <a:rPr lang="zh-CN" altLang="en-US"/>
-              <a:t>微调框</a:t>
-            </a:r>
-            <a:r>
-              <a:rPr lang="zh-CN" altLang="en-US">
-                <a:sym typeface="+mn-ea"/>
-              </a:rPr>
-              <a:t>组件（</a:t>
-            </a:r>
-            <a:r>
-              <a:rPr lang="en-US" altLang="zh-CN">
-                <a:sym typeface="+mn-ea"/>
-              </a:rPr>
-              <a:t>MFT</a:t>
-            </a:r>
-            <a:r>
-              <a:rPr lang="zh-CN" altLang="en-US">
-                <a:sym typeface="+mn-ea"/>
-              </a:rPr>
-              <a:t>iny）</a:t>
+              <a:t>（MTableGrid）</a:t>
             </a:r>
             <a:endParaRPr lang="zh-CN" altLang="en-US"/>
           </a:p>
@@ -4047,9 +3892,7 @@
         </p:nvSpPr>
         <p:spPr/>
         <p:txBody>
-          <a:bodyPr>
-            <a:normAutofit/>
-          </a:bodyPr>
+          <a:bodyPr/>
           <a:p>
             <a:r>
               <a:rPr lang="en-US" altLang="zh-CN" b="1">
@@ -4103,9 +3946,11 @@
               <a:rPr lang="en-US" altLang="zh-CN">
                 <a:sym typeface="+mn-ea"/>
               </a:rPr>
-              <a:t>- 2</a:t>
-            </a:r>
-            <a:endParaRPr lang="zh-CN" altLang="en-US"/>
+              <a:t>- 1</a:t>
+            </a:r>
+            <a:endParaRPr lang="en-US" altLang="zh-CN">
+              <a:sym typeface="+mn-ea"/>
+            </a:endParaRPr>
           </a:p>
         </p:txBody>
       </p:sp>
@@ -4125,7 +3970,7 @@
           <a:p>
             <a:r>
               <a:rPr lang="zh-CN" altLang="en-US"/>
-              <a:t>滑动条组件（</a:t>
+              <a:t>文本框组件（</a:t>
             </a:r>
             <a:r>
               <a:rPr lang="en-US" altLang="zh-CN">
@@ -4134,12 +3979,39 @@
               <a:t>MF</a:t>
             </a:r>
             <a:r>
-              <a:rPr lang="zh-CN" altLang="en-US"/>
-              <a:t>Slide</a:t>
-            </a:r>
-            <a:r>
-              <a:rPr lang="en-US" altLang="zh-CN"/>
-              <a:t>bar</a:t>
+              <a:rPr lang="en-US" altLang="zh-CN"/>
+              <a:t>Text</a:t>
+            </a:r>
+            <a:r>
+              <a:rPr lang="zh-CN" altLang="en-US"/>
+              <a:t>）</a:t>
+            </a:r>
+            <a:endParaRPr lang="zh-CN" altLang="en-US"/>
+          </a:p>
+          <a:p>
+            <a:r>
+              <a:rPr lang="zh-CN" altLang="en-US"/>
+              <a:t>密码框</a:t>
+            </a:r>
+            <a:r>
+              <a:rPr lang="zh-CN" altLang="en-US">
+                <a:sym typeface="+mn-ea"/>
+              </a:rPr>
+              <a:t>组件</a:t>
+            </a:r>
+            <a:r>
+              <a:rPr lang="zh-CN" altLang="en-US"/>
+              <a:t>（</a:t>
+            </a:r>
+            <a:r>
+              <a:rPr lang="en-US" altLang="zh-CN">
+                <a:sym typeface="+mn-ea"/>
+              </a:rPr>
+              <a:t>MF</a:t>
+            </a:r>
+            <a:r>
+              <a:rPr lang="en-US" altLang="zh-CN"/>
+              <a:t>Password</a:t>
             </a:r>
             <a:r>
               <a:rPr lang="zh-CN" altLang="en-US"/>
@@ -4150,7 +4022,17 @@
           <a:p>
             <a:r>
               <a:rPr lang="zh-CN" altLang="en-US"/>
-              <a:t>文件上传框组件（</a:t>
+              <a:t>单选框</a:t>
+            </a:r>
+            <a:r>
+              <a:rPr lang="zh-CN" altLang="en-US">
+                <a:sym typeface="+mn-ea"/>
+              </a:rPr>
+              <a:t>组件</a:t>
+            </a:r>
+            <a:r>
+              <a:rPr lang="zh-CN" altLang="en-US"/>
+              <a:t>（</a:t>
             </a:r>
             <a:r>
               <a:rPr lang="en-US" altLang="zh-CN">
@@ -4160,26 +4042,160 @@
             </a:r>
             <a:r>
               <a:rPr lang="en-US" altLang="zh-CN"/>
-              <a:t>FileUpload</a:t>
-            </a:r>
-            <a:r>
-              <a:rPr lang="zh-CN" altLang="en-US"/>
-              <a:t>）</a:t>
-            </a:r>
-            <a:endParaRPr lang="zh-CN" altLang="en-US"/>
-          </a:p>
-          <a:p>
-            <a:r>
-              <a:rPr lang="zh-CN" altLang="en-US"/>
-              <a:t>文本区域（</a:t>
-            </a:r>
-            <a:r>
-              <a:rPr lang="en-US" altLang="zh-CN"/>
-              <a:t>MFTextArea</a:t>
-            </a:r>
-            <a:r>
-              <a:rPr lang="zh-CN" altLang="en-US"/>
-              <a:t>）</a:t>
+              <a:t>Radio</a:t>
+            </a:r>
+            <a:r>
+              <a:rPr lang="zh-CN" altLang="en-US"/>
+              <a:t>）</a:t>
+            </a:r>
+            <a:endParaRPr lang="en-US" altLang="zh-CN"/>
+          </a:p>
+          <a:p>
+            <a:r>
+              <a:rPr lang="zh-CN" altLang="en-US"/>
+              <a:t>多选框</a:t>
+            </a:r>
+            <a:r>
+              <a:rPr lang="zh-CN" altLang="en-US">
+                <a:sym typeface="+mn-ea"/>
+              </a:rPr>
+              <a:t>组件</a:t>
+            </a:r>
+            <a:r>
+              <a:rPr lang="zh-CN" altLang="en-US"/>
+              <a:t>（</a:t>
+            </a:r>
+            <a:r>
+              <a:rPr lang="en-US" altLang="zh-CN">
+                <a:sym typeface="+mn-ea"/>
+              </a:rPr>
+              <a:t>MF</a:t>
+            </a:r>
+            <a:r>
+              <a:rPr lang="en-US" altLang="zh-CN"/>
+              <a:t>Checkbox</a:t>
+            </a:r>
+            <a:r>
+              <a:rPr lang="zh-CN" altLang="en-US"/>
+              <a:t>）</a:t>
+            </a:r>
+            <a:endParaRPr lang="en-US" altLang="zh-CN"/>
+          </a:p>
+          <a:p>
+            <a:r>
+              <a:rPr lang="zh-CN" altLang="en-US"/>
+              <a:t>下拉列表框</a:t>
+            </a:r>
+            <a:r>
+              <a:rPr lang="zh-CN" altLang="en-US">
+                <a:sym typeface="+mn-ea"/>
+              </a:rPr>
+              <a:t>组件</a:t>
+            </a:r>
+            <a:r>
+              <a:rPr lang="zh-CN" altLang="en-US"/>
+              <a:t>（</a:t>
+            </a:r>
+            <a:r>
+              <a:rPr lang="en-US" altLang="zh-CN">
+                <a:sym typeface="+mn-ea"/>
+              </a:rPr>
+              <a:t>MF</a:t>
+            </a:r>
+            <a:r>
+              <a:rPr lang="en-US" altLang="zh-CN"/>
+              <a:t>Selection</a:t>
+            </a:r>
+            <a:r>
+              <a:rPr lang="zh-CN" altLang="en-US"/>
+              <a:t>）</a:t>
+            </a:r>
+            <a:endParaRPr lang="en-US" altLang="zh-CN"/>
+          </a:p>
+          <a:p>
+            <a:r>
+              <a:rPr lang="zh-CN" altLang="en-US"/>
+              <a:t>标签框</a:t>
+            </a:r>
+            <a:r>
+              <a:rPr lang="zh-CN" altLang="en-US">
+                <a:sym typeface="+mn-ea"/>
+              </a:rPr>
+              <a:t>组件</a:t>
+            </a:r>
+            <a:r>
+              <a:rPr lang="zh-CN" altLang="en-US"/>
+              <a:t>（</a:t>
+            </a:r>
+            <a:r>
+              <a:rPr lang="en-US" altLang="zh-CN">
+                <a:sym typeface="+mn-ea"/>
+              </a:rPr>
+              <a:t>MF</a:t>
+            </a:r>
+            <a:r>
+              <a:rPr lang="en-US" altLang="zh-CN"/>
+              <a:t>Tag</a:t>
+            </a:r>
+            <a:r>
+              <a:rPr lang="zh-CN" altLang="en-US"/>
+              <a:t>）</a:t>
+            </a:r>
+            <a:endParaRPr lang="en-US" altLang="zh-CN"/>
+          </a:p>
+          <a:p>
+            <a:r>
+              <a:rPr lang="zh-CN" altLang="en-US"/>
+              <a:t>日历框</a:t>
+            </a:r>
+            <a:r>
+              <a:rPr lang="zh-CN" altLang="en-US">
+                <a:sym typeface="+mn-ea"/>
+              </a:rPr>
+              <a:t>组件</a:t>
+            </a:r>
+            <a:r>
+              <a:rPr lang="zh-CN" altLang="en-US"/>
+              <a:t>（</a:t>
+            </a:r>
+            <a:r>
+              <a:rPr lang="en-US" altLang="zh-CN">
+                <a:sym typeface="+mn-ea"/>
+              </a:rPr>
+              <a:t>MF</a:t>
+            </a:r>
+            <a:r>
+              <a:rPr lang="en-US" altLang="zh-CN"/>
+              <a:t>Calendar</a:t>
+            </a:r>
+            <a:r>
+              <a:rPr lang="zh-CN" altLang="en-US"/>
+              <a:t>）</a:t>
+            </a:r>
+            <a:endParaRPr lang="en-US" altLang="zh-CN"/>
+          </a:p>
+          <a:p>
+            <a:r>
+              <a:rPr lang="zh-CN" altLang="en-US"/>
+              <a:t>微调框</a:t>
+            </a:r>
+            <a:r>
+              <a:rPr lang="zh-CN" altLang="en-US">
+                <a:sym typeface="+mn-ea"/>
+              </a:rPr>
+              <a:t>组件（</a:t>
+            </a:r>
+            <a:r>
+              <a:rPr lang="en-US" altLang="zh-CN">
+                <a:sym typeface="+mn-ea"/>
+              </a:rPr>
+              <a:t>MFT</a:t>
+            </a:r>
+            <a:r>
+              <a:rPr lang="zh-CN" altLang="en-US">
+                <a:sym typeface="+mn-ea"/>
+              </a:rPr>
+              <a:t>iny）</a:t>
             </a:r>
             <a:endParaRPr lang="zh-CN" altLang="en-US"/>
           </a:p>
@@ -4253,13 +4269,13 @@
               <a:rPr lang="zh-CN" altLang="en-US">
                 <a:sym typeface="+mn-ea"/>
               </a:rPr>
-              <a:t>菜单组件（</a:t>
-            </a:r>
-            <a:r>
-              <a:rPr lang="en-US" altLang="zh-CN">
-                <a:sym typeface="+mn-ea"/>
-              </a:rPr>
-              <a:t>Menu</a:t>
+              <a:t>表单组件（</a:t>
+            </a:r>
+            <a:r>
+              <a:rPr lang="en-US" altLang="zh-CN">
+                <a:sym typeface="+mn-ea"/>
+              </a:rPr>
+              <a:t>Form</a:t>
             </a:r>
             <a:r>
               <a:rPr lang="zh-CN" altLang="en-US">
@@ -4267,9 +4283,13 @@
               </a:rPr>
               <a:t>）</a:t>
             </a:r>
-            <a:endParaRPr lang="zh-CN" altLang="en-US">
-              <a:sym typeface="+mn-ea"/>
-            </a:endParaRPr>
+            <a:r>
+              <a:rPr lang="en-US" altLang="zh-CN">
+                <a:sym typeface="+mn-ea"/>
+              </a:rPr>
+              <a:t>- 2</a:t>
+            </a:r>
+            <a:endParaRPr lang="zh-CN" altLang="en-US"/>
           </a:p>
         </p:txBody>
       </p:sp>
@@ -4289,60 +4309,57 @@
           <a:p>
             <a:r>
               <a:rPr lang="zh-CN" altLang="en-US"/>
-              <a:t>菜单栏（</a:t>
-            </a:r>
-            <a:r>
-              <a:rPr lang="en-US" altLang="zh-CN"/>
-              <a:t>MMenuBar</a:t>
-            </a:r>
-            <a:r>
-              <a:rPr lang="zh-CN" altLang="en-US"/>
-              <a:t>）</a:t>
-            </a:r>
-            <a:endParaRPr lang="zh-CN" altLang="en-US"/>
-          </a:p>
-          <a:p>
-            <a:r>
-              <a:rPr lang="zh-CN" altLang="en-US"/>
-              <a:t>菜单（</a:t>
-            </a:r>
-            <a:r>
-              <a:rPr lang="en-US" altLang="zh-CN"/>
-              <a:t>MMenu</a:t>
-            </a:r>
-            <a:r>
-              <a:rPr lang="zh-CN" altLang="en-US"/>
-              <a:t>）</a:t>
-            </a:r>
-            <a:endParaRPr lang="zh-CN" altLang="en-US"/>
-          </a:p>
-          <a:p>
-            <a:r>
-              <a:rPr lang="zh-CN" altLang="en-US"/>
-              <a:t>菜单项（</a:t>
-            </a:r>
-            <a:r>
-              <a:rPr lang="en-US" altLang="zh-CN"/>
-              <a:t>MMenuItem</a:t>
-            </a:r>
-            <a:r>
-              <a:rPr lang="zh-CN" altLang="en-US"/>
-              <a:t>）</a:t>
-            </a:r>
-            <a:endParaRPr lang="zh-CN" altLang="en-US"/>
-          </a:p>
-          <a:p>
-            <a:r>
-              <a:rPr lang="zh-CN" altLang="en-US"/>
-              <a:t>网页菜单（</a:t>
-            </a:r>
-            <a:r>
-              <a:rPr lang="en-US" altLang="zh-CN"/>
-              <a:t>MMenu</a:t>
-            </a:r>
-            <a:r>
-              <a:rPr lang="en-US" altLang="zh-CN"/>
-              <a:t>Context</a:t>
+              <a:t>滑动条组件（</a:t>
+            </a:r>
+            <a:r>
+              <a:rPr lang="en-US" altLang="zh-CN">
+                <a:sym typeface="+mn-ea"/>
+              </a:rPr>
+              <a:t>MF</a:t>
+            </a:r>
+            <a:r>
+              <a:rPr lang="zh-CN" altLang="en-US"/>
+              <a:t>Slide</a:t>
+            </a:r>
+            <a:r>
+              <a:rPr lang="en-US" altLang="zh-CN"/>
+              <a:t>bar</a:t>
+            </a:r>
+            <a:r>
+              <a:rPr lang="zh-CN" altLang="en-US"/>
+              <a:t>）</a:t>
+            </a:r>
+            <a:endParaRPr lang="en-US" altLang="zh-CN"/>
+          </a:p>
+          <a:p>
+            <a:r>
+              <a:rPr lang="zh-CN" altLang="en-US"/>
+              <a:t>文件上传框组件（</a:t>
+            </a:r>
+            <a:r>
+              <a:rPr lang="en-US" altLang="zh-CN">
+                <a:sym typeface="+mn-ea"/>
+              </a:rPr>
+              <a:t>MF</a:t>
+            </a:r>
+            <a:r>
+              <a:rPr lang="en-US" altLang="zh-CN"/>
+              <a:t>FileUpload</a:t>
+            </a:r>
+            <a:r>
+              <a:rPr lang="zh-CN" altLang="en-US"/>
+              <a:t>）</a:t>
+            </a:r>
+            <a:endParaRPr lang="zh-CN" altLang="en-US"/>
+          </a:p>
+          <a:p>
+            <a:r>
+              <a:rPr lang="zh-CN" altLang="en-US"/>
+              <a:t>文本区域（</a:t>
+            </a:r>
+            <a:r>
+              <a:rPr lang="en-US" altLang="zh-CN"/>
+              <a:t>MFTextArea</a:t>
             </a:r>
             <a:r>
               <a:rPr lang="zh-CN" altLang="en-US"/>
@@ -4382,7 +4399,9 @@
         </p:nvSpPr>
         <p:spPr/>
         <p:txBody>
-          <a:bodyPr/>
+          <a:bodyPr>
+            <a:normAutofit/>
+          </a:bodyPr>
           <a:p>
             <a:r>
               <a:rPr lang="en-US" altLang="zh-CN" b="1">
@@ -4418,13 +4437,13 @@
               <a:rPr lang="zh-CN" altLang="en-US">
                 <a:sym typeface="+mn-ea"/>
               </a:rPr>
-              <a:t>社交组件（</a:t>
-            </a:r>
-            <a:r>
-              <a:rPr lang="en-US" altLang="zh-CN">
-                <a:sym typeface="+mn-ea"/>
-              </a:rPr>
-              <a:t>Social</a:t>
+              <a:t>菜单组件（</a:t>
+            </a:r>
+            <a:r>
+              <a:rPr lang="en-US" altLang="zh-CN">
+                <a:sym typeface="+mn-ea"/>
+              </a:rPr>
+              <a:t>Menu</a:t>
             </a:r>
             <a:r>
               <a:rPr lang="zh-CN" altLang="en-US">
@@ -4432,13 +4451,7 @@
               </a:rPr>
               <a:t>）</a:t>
             </a:r>
-            <a:r>
-              <a:rPr lang="en-US" altLang="zh-CN">
-                <a:sym typeface="+mn-ea"/>
-              </a:rPr>
-              <a:t>- 1</a:t>
-            </a:r>
-            <a:endParaRPr lang="en-US" altLang="zh-CN">
+            <a:endParaRPr lang="zh-CN" altLang="en-US">
               <a:sym typeface="+mn-ea"/>
             </a:endParaRPr>
           </a:p>
@@ -4460,176 +4473,62 @@
           <a:p>
             <a:r>
               <a:rPr lang="zh-CN" altLang="en-US"/>
-              <a:t>弹幕组件（</a:t>
-            </a:r>
-            <a:r>
-              <a:rPr lang="en-US" altLang="zh-CN">
-                <a:sym typeface="+mn-ea"/>
-              </a:rPr>
-              <a:t>M</a:t>
-            </a:r>
-            <a:r>
-              <a:rPr lang="en-US" altLang="zh-CN"/>
-              <a:t>Barrage</a:t>
-            </a:r>
-            <a:r>
-              <a:rPr lang="zh-CN" altLang="en-US"/>
-              <a:t>）</a:t>
-            </a:r>
-            <a:endParaRPr lang="zh-CN" altLang="en-US"/>
-          </a:p>
-          <a:p>
-            <a:r>
-              <a:rPr lang="en-US" altLang="zh-CN"/>
-              <a:t>WebIM</a:t>
-            </a:r>
-            <a:r>
-              <a:rPr lang="zh-CN" altLang="en-US"/>
-              <a:t>组件（</a:t>
-            </a:r>
-            <a:r>
-              <a:rPr lang="en-US" altLang="zh-CN">
-                <a:sym typeface="+mn-ea"/>
-              </a:rPr>
-              <a:t>M</a:t>
-            </a:r>
-            <a:r>
-              <a:rPr lang="en-US" altLang="zh-CN"/>
-              <a:t>WebIM</a:t>
-            </a:r>
-            <a:r>
-              <a:rPr lang="zh-CN" altLang="en-US"/>
-              <a:t>）</a:t>
-            </a:r>
-            <a:endParaRPr lang="zh-CN" altLang="en-US"/>
-          </a:p>
-          <a:p>
-            <a:r>
-              <a:rPr lang="zh-CN" altLang="en-US"/>
-              <a:t>时间轴组件（</a:t>
-            </a:r>
-            <a:r>
-              <a:rPr lang="en-US" altLang="zh-CN">
-                <a:sym typeface="+mn-ea"/>
-              </a:rPr>
-              <a:t>M</a:t>
-            </a:r>
-            <a:r>
-              <a:rPr lang="en-US" altLang="zh-CN"/>
-              <a:t>T</a:t>
-            </a:r>
-            <a:r>
-              <a:rPr lang="zh-CN" altLang="en-US"/>
-              <a:t>ime</a:t>
-            </a:r>
-            <a:r>
-              <a:rPr lang="en-US" altLang="zh-CN"/>
-              <a:t>A</a:t>
-            </a:r>
-            <a:r>
-              <a:rPr lang="zh-CN" altLang="en-US"/>
-              <a:t>xis）</a:t>
-            </a:r>
-            <a:endParaRPr lang="zh-CN" altLang="en-US"/>
-          </a:p>
-          <a:p>
-            <a:r>
-              <a:rPr lang="zh-CN" altLang="en-US"/>
-              <a:t>视频组件（</a:t>
-            </a:r>
-            <a:r>
-              <a:rPr lang="en-US" altLang="zh-CN"/>
-              <a:t>MVideo</a:t>
-            </a:r>
-            <a:r>
-              <a:rPr lang="zh-CN" altLang="en-US"/>
-              <a:t>）</a:t>
-            </a:r>
-            <a:endParaRPr lang="zh-CN" altLang="en-US"/>
-          </a:p>
-          <a:p>
-            <a:r>
-              <a:rPr lang="zh-CN" altLang="en-US"/>
-              <a:t>音频组件（</a:t>
-            </a:r>
-            <a:r>
-              <a:rPr lang="en-US" altLang="zh-CN">
-                <a:sym typeface="+mn-ea"/>
-              </a:rPr>
-              <a:t>M</a:t>
-            </a:r>
-            <a:r>
-              <a:rPr lang="en-US" altLang="zh-CN"/>
-              <a:t>Audio</a:t>
-            </a:r>
-            <a:r>
-              <a:rPr lang="zh-CN" altLang="en-US"/>
-              <a:t>）</a:t>
-            </a:r>
-            <a:endParaRPr lang="zh-CN" altLang="en-US"/>
-          </a:p>
-          <a:p>
-            <a:r>
-              <a:rPr lang="zh-CN" altLang="en-US"/>
-              <a:t>图片组件（</a:t>
-            </a:r>
-            <a:r>
-              <a:rPr lang="en-US" altLang="zh-CN">
-                <a:sym typeface="+mn-ea"/>
-              </a:rPr>
-              <a:t>M</a:t>
-            </a:r>
-            <a:r>
-              <a:rPr lang="en-US" altLang="zh-CN"/>
-              <a:t>Image</a:t>
-            </a:r>
-            <a:r>
-              <a:rPr lang="zh-CN" altLang="en-US"/>
-              <a:t>）</a:t>
-            </a:r>
-            <a:endParaRPr lang="zh-CN" altLang="en-US"/>
-          </a:p>
-          <a:p>
-            <a:r>
-              <a:rPr lang="zh-CN" altLang="en-US"/>
-              <a:t>绘图组件（</a:t>
-            </a:r>
-            <a:r>
-              <a:rPr lang="en-US" altLang="zh-CN">
-                <a:sym typeface="+mn-ea"/>
-              </a:rPr>
-              <a:t>M</a:t>
-            </a:r>
-            <a:r>
-              <a:rPr lang="en-US" altLang="zh-CN"/>
-              <a:t>Paint</a:t>
-            </a:r>
-            <a:r>
-              <a:rPr lang="zh-CN" altLang="en-US"/>
-              <a:t>）</a:t>
-            </a:r>
-            <a:endParaRPr lang="zh-CN" altLang="en-US"/>
-          </a:p>
-          <a:p>
-            <a:r>
-              <a:rPr lang="zh-CN" altLang="en-US"/>
-              <a:t>调色板组件（</a:t>
-            </a:r>
-            <a:r>
-              <a:rPr lang="en-US" altLang="zh-CN">
-                <a:sym typeface="+mn-ea"/>
-              </a:rPr>
-              <a:t>M</a:t>
-            </a:r>
-            <a:r>
-              <a:rPr lang="en-US" altLang="zh-CN"/>
-              <a:t>Palette</a:t>
-            </a:r>
-            <a:r>
-              <a:rPr lang="zh-CN" altLang="en-US"/>
-              <a:t>）</a:t>
-            </a:r>
-            <a:endParaRPr lang="en-US" altLang="zh-CN"/>
+              <a:t>菜单栏（</a:t>
+            </a:r>
+            <a:r>
+              <a:rPr lang="en-US" altLang="zh-CN"/>
+              <a:t>MMenuBar</a:t>
+            </a:r>
+            <a:r>
+              <a:rPr lang="zh-CN" altLang="en-US"/>
+              <a:t>）</a:t>
+            </a:r>
+            <a:endParaRPr lang="zh-CN" altLang="en-US"/>
+          </a:p>
+          <a:p>
+            <a:r>
+              <a:rPr lang="zh-CN" altLang="en-US"/>
+              <a:t>菜单（</a:t>
+            </a:r>
+            <a:r>
+              <a:rPr lang="en-US" altLang="zh-CN"/>
+              <a:t>MMenu</a:t>
+            </a:r>
+            <a:r>
+              <a:rPr lang="zh-CN" altLang="en-US"/>
+              <a:t>）</a:t>
+            </a:r>
+            <a:endParaRPr lang="zh-CN" altLang="en-US"/>
+          </a:p>
+          <a:p>
+            <a:r>
+              <a:rPr lang="zh-CN" altLang="en-US"/>
+              <a:t>菜单项（</a:t>
+            </a:r>
+            <a:r>
+              <a:rPr lang="en-US" altLang="zh-CN"/>
+              <a:t>MMenuItem</a:t>
+            </a:r>
+            <a:r>
+              <a:rPr lang="zh-CN" altLang="en-US"/>
+              <a:t>）</a:t>
+            </a:r>
+            <a:endParaRPr lang="zh-CN" altLang="en-US"/>
+          </a:p>
+          <a:p>
+            <a:r>
+              <a:rPr lang="zh-CN" altLang="en-US"/>
+              <a:t>网页菜单（</a:t>
+            </a:r>
+            <a:r>
+              <a:rPr lang="en-US" altLang="zh-CN"/>
+              <a:t>MMenuContext</a:t>
+            </a:r>
+            <a:r>
+              <a:rPr lang="zh-CN" altLang="en-US"/>
+              <a:t>）</a:t>
+            </a:r>
+            <a:endParaRPr lang="zh-CN" altLang="en-US"/>
           </a:p>
         </p:txBody>
       </p:sp>
@@ -4663,9 +4562,7 @@
         </p:nvSpPr>
         <p:spPr/>
         <p:txBody>
-          <a:bodyPr>
-            <a:normAutofit/>
-          </a:bodyPr>
+          <a:bodyPr/>
           <a:p>
             <a:r>
               <a:rPr lang="en-US" altLang="zh-CN" b="1">
@@ -4719,15 +4616,11 @@
               <a:rPr lang="en-US" altLang="zh-CN">
                 <a:sym typeface="+mn-ea"/>
               </a:rPr>
-              <a:t>- </a:t>
-            </a:r>
-            <a:r>
-              <a:rPr lang="en-US">
-                <a:sym typeface="+mn-ea"/>
-              </a:rPr>
-              <a:t>2</a:t>
-            </a:r>
-            <a:endParaRPr lang="en-US"/>
+              <a:t>- 1</a:t>
+            </a:r>
+            <a:endParaRPr lang="en-US" altLang="zh-CN">
+              <a:sym typeface="+mn-ea"/>
+            </a:endParaRPr>
           </a:p>
         </p:txBody>
       </p:sp>
@@ -4747,50 +4640,176 @@
           <a:p>
             <a:r>
               <a:rPr lang="zh-CN" altLang="en-US"/>
-              <a:t>相册组件（</a:t>
-            </a:r>
-            <a:r>
-              <a:rPr lang="en-US" altLang="zh-CN"/>
+              <a:t>弹幕组件（</a:t>
+            </a:r>
+            <a:r>
+              <a:rPr lang="en-US" altLang="zh-CN">
+                <a:sym typeface="+mn-ea"/>
+              </a:rPr>
               <a:t>M</a:t>
             </a:r>
             <a:r>
-              <a:rPr lang="zh-CN" altLang="en-US"/>
-              <a:t>Album）</a:t>
-            </a:r>
-            <a:endParaRPr lang="zh-CN" altLang="en-US"/>
-          </a:p>
-          <a:p>
-            <a:r>
-              <a:rPr lang="zh-CN" altLang="en-US"/>
-              <a:t>徽章组件（</a:t>
-            </a:r>
-            <a:r>
-              <a:rPr lang="en-US" altLang="zh-CN"/>
-              <a:t>MB</a:t>
-            </a:r>
-            <a:r>
-              <a:rPr lang="zh-CN" altLang="en-US"/>
-              <a:t>adge）</a:t>
-            </a:r>
-            <a:endParaRPr lang="zh-CN" altLang="en-US"/>
-          </a:p>
-          <a:p>
-            <a:r>
-              <a:rPr lang="zh-CN" altLang="en-US"/>
-              <a:t>轮播组件（</a:t>
-            </a:r>
-            <a:r>
-              <a:rPr lang="en-US" altLang="zh-CN"/>
-              <a:t>MCarousel</a:t>
-            </a:r>
-            <a:r>
-              <a:rPr lang="zh-CN" altLang="en-US"/>
-              <a:t>）</a:t>
-            </a:r>
-            <a:endParaRPr lang="zh-CN" altLang="en-US"/>
-          </a:p>
-          <a:p>
-            <a:endParaRPr lang="zh-CN" altLang="en-US"/>
+              <a:rPr lang="en-US" altLang="zh-CN"/>
+              <a:t>Barrage</a:t>
+            </a:r>
+            <a:r>
+              <a:rPr lang="zh-CN" altLang="en-US"/>
+              <a:t>）</a:t>
+            </a:r>
+            <a:endParaRPr lang="zh-CN" altLang="en-US"/>
+          </a:p>
+          <a:p>
+            <a:r>
+              <a:rPr lang="en-US" altLang="zh-CN"/>
+              <a:t>WebIM</a:t>
+            </a:r>
+            <a:r>
+              <a:rPr lang="zh-CN" altLang="en-US"/>
+              <a:t>组件（</a:t>
+            </a:r>
+            <a:r>
+              <a:rPr lang="en-US" altLang="zh-CN">
+                <a:sym typeface="+mn-ea"/>
+              </a:rPr>
+              <a:t>M</a:t>
+            </a:r>
+            <a:r>
+              <a:rPr lang="en-US" altLang="zh-CN"/>
+              <a:t>WebIM</a:t>
+            </a:r>
+            <a:r>
+              <a:rPr lang="zh-CN" altLang="en-US"/>
+              <a:t>）</a:t>
+            </a:r>
+            <a:endParaRPr lang="zh-CN" altLang="en-US"/>
+          </a:p>
+          <a:p>
+            <a:r>
+              <a:rPr lang="zh-CN" altLang="en-US"/>
+              <a:t>时间轴组件（</a:t>
+            </a:r>
+            <a:r>
+              <a:rPr lang="en-US" altLang="zh-CN">
+                <a:sym typeface="+mn-ea"/>
+              </a:rPr>
+              <a:t>M</a:t>
+            </a:r>
+            <a:r>
+              <a:rPr lang="en-US" altLang="zh-CN"/>
+              <a:t>T</a:t>
+            </a:r>
+            <a:r>
+              <a:rPr lang="zh-CN" altLang="en-US"/>
+              <a:t>ime</a:t>
+            </a:r>
+            <a:r>
+              <a:rPr lang="en-US" altLang="zh-CN"/>
+              <a:t>A</a:t>
+            </a:r>
+            <a:r>
+              <a:rPr lang="zh-CN" altLang="en-US"/>
+              <a:t>xis）</a:t>
+            </a:r>
+            <a:endParaRPr lang="zh-CN" altLang="en-US"/>
+          </a:p>
+          <a:p>
+            <a:r>
+              <a:rPr lang="zh-CN" altLang="en-US"/>
+              <a:t>视频组件（</a:t>
+            </a:r>
+            <a:r>
+              <a:rPr lang="en-US" altLang="zh-CN"/>
+              <a:t>MVideo</a:t>
+            </a:r>
+            <a:r>
+              <a:rPr lang="zh-CN" altLang="en-US"/>
+              <a:t>）</a:t>
+            </a:r>
+            <a:endParaRPr lang="zh-CN" altLang="en-US"/>
+          </a:p>
+          <a:p>
+            <a:r>
+              <a:rPr lang="zh-CN" altLang="en-US"/>
+              <a:t>音频组件（</a:t>
+            </a:r>
+            <a:r>
+              <a:rPr lang="en-US" altLang="zh-CN">
+                <a:sym typeface="+mn-ea"/>
+              </a:rPr>
+              <a:t>M</a:t>
+            </a:r>
+            <a:r>
+              <a:rPr lang="en-US" altLang="zh-CN"/>
+              <a:t>Audio</a:t>
+            </a:r>
+            <a:r>
+              <a:rPr lang="zh-CN" altLang="en-US"/>
+              <a:t>）</a:t>
+            </a:r>
+            <a:endParaRPr lang="zh-CN" altLang="en-US"/>
+          </a:p>
+          <a:p>
+            <a:r>
+              <a:rPr lang="zh-CN" altLang="en-US"/>
+              <a:t>图片组件（</a:t>
+            </a:r>
+            <a:r>
+              <a:rPr lang="en-US" altLang="zh-CN">
+                <a:sym typeface="+mn-ea"/>
+              </a:rPr>
+              <a:t>M</a:t>
+            </a:r>
+            <a:r>
+              <a:rPr lang="en-US" altLang="zh-CN"/>
+              <a:t>Image</a:t>
+            </a:r>
+            <a:r>
+              <a:rPr lang="zh-CN" altLang="en-US"/>
+              <a:t>）</a:t>
+            </a:r>
+            <a:endParaRPr lang="zh-CN" altLang="en-US"/>
+          </a:p>
+          <a:p>
+            <a:r>
+              <a:rPr lang="zh-CN" altLang="en-US"/>
+              <a:t>绘图组件（</a:t>
+            </a:r>
+            <a:r>
+              <a:rPr lang="en-US" altLang="zh-CN">
+                <a:sym typeface="+mn-ea"/>
+              </a:rPr>
+              <a:t>M</a:t>
+            </a:r>
+            <a:r>
+              <a:rPr lang="en-US" altLang="zh-CN"/>
+              <a:t>Paint</a:t>
+            </a:r>
+            <a:r>
+              <a:rPr lang="zh-CN" altLang="en-US"/>
+              <a:t>）</a:t>
+            </a:r>
+            <a:endParaRPr lang="zh-CN" altLang="en-US"/>
+          </a:p>
+          <a:p>
+            <a:r>
+              <a:rPr lang="zh-CN" altLang="en-US"/>
+              <a:t>调色板组件（</a:t>
+            </a:r>
+            <a:r>
+              <a:rPr lang="en-US" altLang="zh-CN">
+                <a:sym typeface="+mn-ea"/>
+              </a:rPr>
+              <a:t>M</a:t>
+            </a:r>
+            <a:r>
+              <a:rPr lang="en-US" altLang="zh-CN"/>
+              <a:t>Palette</a:t>
+            </a:r>
+            <a:r>
+              <a:rPr lang="zh-CN" altLang="en-US"/>
+              <a:t>）</a:t>
+            </a:r>
+            <a:endParaRPr lang="en-US" altLang="zh-CN"/>
           </a:p>
         </p:txBody>
       </p:sp>
@@ -4862,13 +4881,13 @@
               <a:rPr lang="zh-CN" altLang="en-US">
                 <a:sym typeface="+mn-ea"/>
               </a:rPr>
-              <a:t>游戏组件（</a:t>
-            </a:r>
-            <a:r>
-              <a:rPr lang="en-US" altLang="zh-CN">
-                <a:sym typeface="+mn-ea"/>
-              </a:rPr>
-              <a:t>Game</a:t>
+              <a:t>社交组件（</a:t>
+            </a:r>
+            <a:r>
+              <a:rPr lang="en-US" altLang="zh-CN">
+                <a:sym typeface="+mn-ea"/>
+              </a:rPr>
+              <a:t>Social</a:t>
             </a:r>
             <a:r>
               <a:rPr lang="zh-CN" altLang="en-US">
@@ -4880,9 +4899,15 @@
               <a:rPr lang="en-US" altLang="zh-CN">
                 <a:sym typeface="+mn-ea"/>
               </a:rPr>
-              <a:t>- 1</a:t>
-            </a:r>
-            <a:endParaRPr lang="zh-CN" altLang="en-US"/>
+              <a:t>- </a:t>
+            </a:r>
+            <a:r>
+              <a:rPr lang="en-US">
+                <a:sym typeface="+mn-ea"/>
+              </a:rPr>
+              <a:t>2</a:t>
+            </a:r>
+            <a:endParaRPr lang="en-US"/>
           </a:p>
         </p:txBody>
       </p:sp>
@@ -4902,172 +4927,52 @@
           <a:p>
             <a:r>
               <a:rPr lang="zh-CN" altLang="en-US"/>
-              <a:t>画布组件（</a:t>
-            </a:r>
-            <a:r>
-              <a:rPr lang="en-US" altLang="zh-CN">
-                <a:sym typeface="+mn-ea"/>
-              </a:rPr>
+              <a:t>相册组件（</a:t>
+            </a:r>
+            <a:r>
+              <a:rPr lang="en-US" altLang="zh-CN"/>
               <a:t>M</a:t>
             </a:r>
             <a:r>
-              <a:rPr lang="en-US" altLang="zh-CN"/>
-              <a:t>Canvas</a:t>
-            </a:r>
-            <a:r>
-              <a:rPr lang="zh-CN" altLang="en-US"/>
-              <a:t>）</a:t>
-            </a:r>
-            <a:endParaRPr lang="zh-CN" altLang="en-US"/>
-          </a:p>
-          <a:p>
-            <a:r>
-              <a:rPr lang="zh-CN" altLang="en-US"/>
-              <a:t>背包组件（</a:t>
-            </a:r>
-            <a:r>
-              <a:rPr lang="en-US" altLang="zh-CN">
-                <a:sym typeface="+mn-ea"/>
-              </a:rPr>
-              <a:t>M</a:t>
-            </a:r>
-            <a:r>
-              <a:rPr lang="en-US" altLang="zh-CN"/>
-              <a:t>Bag</a:t>
-            </a:r>
-            <a:r>
-              <a:rPr lang="zh-CN" altLang="en-US"/>
-              <a:t>）</a:t>
-            </a:r>
-            <a:endParaRPr lang="zh-CN" altLang="en-US"/>
-          </a:p>
-          <a:p>
-            <a:r>
-              <a:rPr lang="zh-CN" altLang="en-US"/>
-              <a:t>地图组件（</a:t>
-            </a:r>
-            <a:r>
-              <a:rPr lang="en-US" altLang="zh-CN">
-                <a:sym typeface="+mn-ea"/>
-              </a:rPr>
-              <a:t>M</a:t>
-            </a:r>
-            <a:r>
-              <a:rPr lang="en-US" altLang="zh-CN"/>
-              <a:t>Map</a:t>
-            </a:r>
-            <a:r>
-              <a:rPr lang="zh-CN" altLang="en-US"/>
-              <a:t>）</a:t>
-            </a:r>
-            <a:endParaRPr lang="zh-CN" altLang="en-US"/>
-          </a:p>
-          <a:p>
-            <a:r>
-              <a:rPr lang="zh-CN" altLang="en-US"/>
-              <a:t>小地图组件（</a:t>
-            </a:r>
-            <a:r>
-              <a:rPr lang="en-US" altLang="zh-CN">
-                <a:sym typeface="+mn-ea"/>
-              </a:rPr>
-              <a:t>M</a:t>
-            </a:r>
-            <a:r>
-              <a:rPr lang="en-US" altLang="zh-CN"/>
-              <a:t>MiniMap</a:t>
-            </a:r>
-            <a:r>
-              <a:rPr lang="zh-CN" altLang="en-US"/>
-              <a:t>）</a:t>
-            </a:r>
-            <a:endParaRPr lang="zh-CN" altLang="en-US"/>
-          </a:p>
-          <a:p>
-            <a:r>
-              <a:rPr lang="zh-CN" altLang="en-US"/>
-              <a:t>剧情组件（</a:t>
-            </a:r>
-            <a:r>
-              <a:rPr lang="en-US" altLang="zh-CN">
-                <a:sym typeface="+mn-ea"/>
-              </a:rPr>
-              <a:t>M</a:t>
-            </a:r>
-            <a:r>
-              <a:rPr lang="en-US" altLang="zh-CN"/>
-              <a:t>Plot</a:t>
-            </a:r>
-            <a:r>
-              <a:rPr lang="zh-CN" altLang="en-US"/>
-              <a:t>）</a:t>
-            </a:r>
-            <a:endParaRPr lang="zh-CN" altLang="en-US"/>
-          </a:p>
-          <a:p>
-            <a:r>
-              <a:rPr lang="zh-CN" altLang="en-US"/>
-              <a:t>精灵组件（</a:t>
-            </a:r>
-            <a:r>
-              <a:rPr lang="en-US" altLang="zh-CN">
-                <a:sym typeface="+mn-ea"/>
-              </a:rPr>
-              <a:t>M</a:t>
-            </a:r>
-            <a:r>
-              <a:rPr lang="en-US" altLang="zh-CN"/>
-              <a:t>Spirit</a:t>
-            </a:r>
-            <a:r>
-              <a:rPr lang="zh-CN" altLang="en-US"/>
-              <a:t>）</a:t>
-            </a:r>
-            <a:endParaRPr lang="zh-CN" altLang="en-US"/>
-          </a:p>
-          <a:p>
-            <a:r>
-              <a:rPr lang="zh-CN" altLang="en-US"/>
-              <a:t>虚拟操作组件（</a:t>
-            </a:r>
-            <a:r>
-              <a:rPr lang="en-US" altLang="zh-CN">
-                <a:sym typeface="+mn-ea"/>
-              </a:rPr>
-              <a:t>M</a:t>
-            </a:r>
-            <a:r>
-              <a:rPr lang="en-US" altLang="zh-CN"/>
-              <a:t>VirtualHandle</a:t>
-            </a:r>
-            <a:r>
-              <a:rPr lang="zh-CN" altLang="en-US"/>
-              <a:t>）</a:t>
-            </a:r>
-            <a:endParaRPr lang="zh-CN" altLang="en-US"/>
-          </a:p>
-          <a:p>
-            <a:r>
-              <a:rPr lang="zh-CN" altLang="en-US"/>
-              <a:t>进度条组件（</a:t>
-            </a:r>
-            <a:r>
-              <a:rPr lang="en-US" altLang="zh-CN">
-                <a:sym typeface="+mn-ea"/>
-              </a:rPr>
-              <a:t>M</a:t>
-            </a:r>
-            <a:r>
-              <a:rPr lang="zh-CN" altLang="en-US"/>
-              <a:t>Progress</a:t>
-            </a:r>
-            <a:r>
-              <a:rPr lang="en-US" altLang="zh-CN"/>
-              <a:t>bar</a:t>
-            </a:r>
-            <a:r>
-              <a:rPr lang="zh-CN" altLang="en-US"/>
-              <a:t>）</a:t>
+              <a:rPr lang="zh-CN" altLang="en-US"/>
+              <a:t>Album）</a:t>
+            </a:r>
+            <a:endParaRPr lang="zh-CN" altLang="en-US"/>
+          </a:p>
+          <a:p>
+            <a:r>
+              <a:rPr lang="zh-CN" altLang="en-US"/>
+              <a:t>徽章组件（</a:t>
+            </a:r>
+            <a:r>
+              <a:rPr lang="en-US" altLang="zh-CN"/>
+              <a:t>MB</a:t>
+            </a:r>
+            <a:r>
+              <a:rPr lang="zh-CN" altLang="en-US"/>
+              <a:t>adge）</a:t>
+            </a:r>
+            <a:endParaRPr lang="zh-CN" altLang="en-US"/>
+          </a:p>
+          <a:p>
+            <a:r>
+              <a:rPr lang="zh-CN" altLang="en-US"/>
+              <a:t>轮播组件（</a:t>
+            </a:r>
+            <a:r>
+              <a:rPr lang="en-US" altLang="zh-CN"/>
+              <a:t>MCarousel</a:t>
+            </a:r>
+            <a:r>
+              <a:rPr lang="zh-CN" altLang="en-US"/>
+              <a:t>）</a:t>
+            </a:r>
+            <a:endParaRPr lang="zh-CN" altLang="en-US"/>
+          </a:p>
+          <a:p>
+            <a:r>
+              <a:rPr lang="zh-CN" altLang="en-US"/>
+              <a:t>文章组件（MArticle）</a:t>
             </a:r>
             <a:endParaRPr lang="zh-CN" altLang="en-US"/>
           </a:p>
@@ -5159,7 +5064,7 @@
               <a:rPr lang="en-US" altLang="zh-CN">
                 <a:sym typeface="+mn-ea"/>
               </a:rPr>
-              <a:t>- 2</a:t>
+              <a:t>- 1</a:t>
             </a:r>
             <a:endParaRPr lang="zh-CN" altLang="en-US"/>
           </a:p>
@@ -5181,7 +5086,7 @@
           <a:p>
             <a:r>
               <a:rPr lang="zh-CN" altLang="en-US"/>
-              <a:t>头像组件（</a:t>
+              <a:t>画布组件（</a:t>
             </a:r>
             <a:r>
               <a:rPr lang="en-US" altLang="zh-CN">
@@ -5191,18 +5096,18 @@
             </a:r>
             <a:r>
               <a:rPr lang="en-US" altLang="zh-CN"/>
-              <a:t>Head</a:t>
-            </a:r>
-            <a:r>
-              <a:rPr lang="zh-CN" altLang="en-US"/>
-              <a:t>）</a:t>
-            </a:r>
-            <a:endParaRPr lang="zh-CN" altLang="en-US"/>
-          </a:p>
-          <a:p>
-            <a:r>
-              <a:rPr lang="zh-CN" altLang="en-US"/>
-              <a:t>衣架肢体组件（</a:t>
+              <a:t>Canvas</a:t>
+            </a:r>
+            <a:r>
+              <a:rPr lang="zh-CN" altLang="en-US"/>
+              <a:t>）</a:t>
+            </a:r>
+            <a:endParaRPr lang="zh-CN" altLang="en-US"/>
+          </a:p>
+          <a:p>
+            <a:r>
+              <a:rPr lang="zh-CN" altLang="en-US"/>
+              <a:t>背包组件（</a:t>
             </a:r>
             <a:r>
               <a:rPr lang="en-US" altLang="zh-CN">
@@ -5212,11 +5117,141 @@
             </a:r>
             <a:r>
               <a:rPr lang="en-US" altLang="zh-CN"/>
-              <a:t>H</a:t>
-            </a:r>
-            <a:r>
-              <a:rPr lang="zh-CN" altLang="en-US"/>
-              <a:t>anger）</a:t>
+              <a:t>Bag</a:t>
+            </a:r>
+            <a:r>
+              <a:rPr lang="zh-CN" altLang="en-US"/>
+              <a:t>）</a:t>
+            </a:r>
+            <a:endParaRPr lang="zh-CN" altLang="en-US"/>
+          </a:p>
+          <a:p>
+            <a:r>
+              <a:rPr lang="zh-CN" altLang="en-US"/>
+              <a:t>地图组件（</a:t>
+            </a:r>
+            <a:r>
+              <a:rPr lang="en-US" altLang="zh-CN">
+                <a:sym typeface="+mn-ea"/>
+              </a:rPr>
+              <a:t>M</a:t>
+            </a:r>
+            <a:r>
+              <a:rPr lang="en-US" altLang="zh-CN"/>
+              <a:t>Map</a:t>
+            </a:r>
+            <a:r>
+              <a:rPr lang="zh-CN" altLang="en-US"/>
+              <a:t>）</a:t>
+            </a:r>
+            <a:endParaRPr lang="zh-CN" altLang="en-US"/>
+          </a:p>
+          <a:p>
+            <a:r>
+              <a:rPr lang="zh-CN" altLang="en-US"/>
+              <a:t>小地图组件（</a:t>
+            </a:r>
+            <a:r>
+              <a:rPr lang="en-US" altLang="zh-CN">
+                <a:sym typeface="+mn-ea"/>
+              </a:rPr>
+              <a:t>M</a:t>
+            </a:r>
+            <a:r>
+              <a:rPr lang="en-US" altLang="zh-CN"/>
+              <a:t>MiniMap</a:t>
+            </a:r>
+            <a:r>
+              <a:rPr lang="zh-CN" altLang="en-US"/>
+              <a:t>）</a:t>
+            </a:r>
+            <a:endParaRPr lang="zh-CN" altLang="en-US"/>
+          </a:p>
+          <a:p>
+            <a:r>
+              <a:rPr lang="zh-CN" altLang="en-US"/>
+              <a:t>剧情组件（</a:t>
+            </a:r>
+            <a:r>
+              <a:rPr lang="en-US" altLang="zh-CN">
+                <a:sym typeface="+mn-ea"/>
+              </a:rPr>
+              <a:t>M</a:t>
+            </a:r>
+            <a:r>
+              <a:rPr lang="en-US" altLang="zh-CN"/>
+              <a:t>Plot</a:t>
+            </a:r>
+            <a:r>
+              <a:rPr lang="zh-CN" altLang="en-US"/>
+              <a:t>）</a:t>
+            </a:r>
+            <a:endParaRPr lang="zh-CN" altLang="en-US"/>
+          </a:p>
+          <a:p>
+            <a:r>
+              <a:rPr lang="zh-CN" altLang="en-US"/>
+              <a:t>精灵组件（</a:t>
+            </a:r>
+            <a:r>
+              <a:rPr lang="en-US" altLang="zh-CN">
+                <a:sym typeface="+mn-ea"/>
+              </a:rPr>
+              <a:t>M</a:t>
+            </a:r>
+            <a:r>
+              <a:rPr lang="en-US" altLang="zh-CN"/>
+              <a:t>Spirit</a:t>
+            </a:r>
+            <a:r>
+              <a:rPr lang="zh-CN" altLang="en-US"/>
+              <a:t>）</a:t>
+            </a:r>
+            <a:endParaRPr lang="zh-CN" altLang="en-US"/>
+          </a:p>
+          <a:p>
+            <a:r>
+              <a:rPr lang="zh-CN" altLang="en-US"/>
+              <a:t>虚拟操作组件（</a:t>
+            </a:r>
+            <a:r>
+              <a:rPr lang="en-US" altLang="zh-CN">
+                <a:sym typeface="+mn-ea"/>
+              </a:rPr>
+              <a:t>M</a:t>
+            </a:r>
+            <a:r>
+              <a:rPr lang="en-US" altLang="zh-CN"/>
+              <a:t>VirtualHandle</a:t>
+            </a:r>
+            <a:r>
+              <a:rPr lang="zh-CN" altLang="en-US"/>
+              <a:t>）</a:t>
+            </a:r>
+            <a:endParaRPr lang="zh-CN" altLang="en-US"/>
+          </a:p>
+          <a:p>
+            <a:r>
+              <a:rPr lang="zh-CN" altLang="en-US"/>
+              <a:t>进度条组件（</a:t>
+            </a:r>
+            <a:r>
+              <a:rPr lang="en-US" altLang="zh-CN">
+                <a:sym typeface="+mn-ea"/>
+              </a:rPr>
+              <a:t>M</a:t>
+            </a:r>
+            <a:r>
+              <a:rPr lang="zh-CN" altLang="en-US"/>
+              <a:t>Progress</a:t>
+            </a:r>
+            <a:r>
+              <a:rPr lang="en-US" altLang="zh-CN"/>
+              <a:t>bar</a:t>
+            </a:r>
+            <a:r>
+              <a:rPr lang="zh-CN" altLang="en-US"/>
+              <a:t>）</a:t>
             </a:r>
             <a:endParaRPr lang="zh-CN" altLang="en-US"/>
           </a:p>
@@ -5290,13 +5325,13 @@
               <a:rPr lang="zh-CN" altLang="en-US">
                 <a:sym typeface="+mn-ea"/>
               </a:rPr>
-              <a:t>对象组件（</a:t>
-            </a:r>
-            <a:r>
-              <a:rPr lang="en-US" altLang="zh-CN">
-                <a:sym typeface="+mn-ea"/>
-              </a:rPr>
-              <a:t>Object</a:t>
+              <a:t>游戏组件（</a:t>
+            </a:r>
+            <a:r>
+              <a:rPr lang="en-US" altLang="zh-CN">
+                <a:sym typeface="+mn-ea"/>
+              </a:rPr>
+              <a:t>Game</a:t>
             </a:r>
             <a:r>
               <a:rPr lang="zh-CN" altLang="en-US">
@@ -5308,11 +5343,9 @@
               <a:rPr lang="en-US" altLang="zh-CN">
                 <a:sym typeface="+mn-ea"/>
               </a:rPr>
-              <a:t>- 1</a:t>
-            </a:r>
-            <a:endParaRPr lang="en-US" altLang="zh-CN">
-              <a:sym typeface="+mn-ea"/>
-            </a:endParaRPr>
+              <a:t>- 2</a:t>
+            </a:r>
+            <a:endParaRPr lang="zh-CN" altLang="en-US"/>
           </a:p>
         </p:txBody>
       </p:sp>
@@ -5332,180 +5365,42 @@
           <a:p>
             <a:r>
               <a:rPr lang="zh-CN" altLang="en-US"/>
-              <a:t>定时器组件（</a:t>
-            </a:r>
-            <a:r>
-              <a:rPr lang="en-US" altLang="zh-CN">
-                <a:sym typeface="+mn-ea"/>
-              </a:rPr>
-              <a:t>MO</a:t>
-            </a:r>
-            <a:r>
-              <a:rPr lang="en-US" altLang="zh-CN"/>
-              <a:t>Timer</a:t>
-            </a:r>
-            <a:r>
-              <a:rPr lang="zh-CN" altLang="en-US"/>
-              <a:t>）</a:t>
-            </a:r>
-            <a:endParaRPr lang="zh-CN" altLang="en-US"/>
-          </a:p>
-          <a:p>
-            <a:r>
-              <a:rPr lang="zh-CN" altLang="en-US"/>
-              <a:t>点组件（</a:t>
-            </a:r>
-            <a:r>
-              <a:rPr lang="en-US" altLang="zh-CN">
-                <a:sym typeface="+mn-ea"/>
-              </a:rPr>
-              <a:t>MO</a:t>
-            </a:r>
-            <a:r>
-              <a:rPr lang="en-US" altLang="zh-CN"/>
-              <a:t>Point</a:t>
-            </a:r>
-            <a:r>
-              <a:rPr lang="zh-CN" altLang="en-US"/>
-              <a:t>）</a:t>
-            </a:r>
-            <a:endParaRPr lang="zh-CN" altLang="en-US"/>
-          </a:p>
-          <a:p>
-            <a:r>
-              <a:rPr lang="en-US" altLang="zh-CN"/>
-              <a:t>Base64</a:t>
-            </a:r>
-            <a:r>
-              <a:rPr lang="zh-CN" altLang="en-US"/>
-              <a:t>组件（</a:t>
-            </a:r>
-            <a:r>
-              <a:rPr lang="en-US" altLang="zh-CN">
-                <a:sym typeface="+mn-ea"/>
-              </a:rPr>
-              <a:t>MO</a:t>
-            </a:r>
-            <a:r>
-              <a:rPr lang="en-US" altLang="zh-CN"/>
-              <a:t>Base64</a:t>
-            </a:r>
-            <a:r>
-              <a:rPr lang="zh-CN" altLang="en-US"/>
-              <a:t>）</a:t>
-            </a:r>
-            <a:endParaRPr lang="zh-CN" altLang="en-US"/>
-          </a:p>
-          <a:p>
-            <a:r>
-              <a:rPr lang="zh-CN" altLang="en-US"/>
-              <a:t>字符串格式化组件（</a:t>
-            </a:r>
-            <a:r>
-              <a:rPr lang="en-US" altLang="zh-CN">
-                <a:sym typeface="+mn-ea"/>
-              </a:rPr>
-              <a:t>MO</a:t>
-            </a:r>
-            <a:r>
-              <a:rPr lang="en-US" altLang="zh-CN"/>
-              <a:t>StringFormat</a:t>
-            </a:r>
-            <a:r>
-              <a:rPr lang="zh-CN" altLang="en-US"/>
-              <a:t>）</a:t>
-            </a:r>
-            <a:endParaRPr lang="zh-CN" altLang="en-US"/>
-          </a:p>
-          <a:p>
-            <a:r>
-              <a:rPr lang="zh-CN" altLang="en-US"/>
-              <a:t>日期格式化组件（</a:t>
-            </a:r>
-            <a:r>
-              <a:rPr lang="en-US" altLang="zh-CN">
-                <a:sym typeface="+mn-ea"/>
-              </a:rPr>
-              <a:t>MO</a:t>
-            </a:r>
-            <a:r>
-              <a:rPr lang="en-US" altLang="zh-CN"/>
-              <a:t>DateFormat</a:t>
-            </a:r>
-            <a:r>
-              <a:rPr lang="zh-CN" altLang="en-US"/>
-              <a:t>）</a:t>
-            </a:r>
-            <a:endParaRPr lang="zh-CN" altLang="en-US"/>
-          </a:p>
-          <a:p>
-            <a:r>
-              <a:rPr lang="en-US" altLang="zh-CN"/>
-              <a:t>WebSocket</a:t>
-            </a:r>
-            <a:r>
-              <a:rPr lang="zh-CN" altLang="en-US"/>
-              <a:t>组件（</a:t>
-            </a:r>
-            <a:r>
-              <a:rPr lang="en-US" altLang="zh-CN">
-                <a:sym typeface="+mn-ea"/>
-              </a:rPr>
-              <a:t>MO</a:t>
-            </a:r>
-            <a:r>
-              <a:rPr lang="en-US" altLang="zh-CN"/>
-              <a:t>WebSocket</a:t>
-            </a:r>
-            <a:r>
-              <a:rPr lang="zh-CN" altLang="en-US"/>
-              <a:t>）</a:t>
-            </a:r>
-            <a:endParaRPr lang="zh-CN" altLang="en-US"/>
-          </a:p>
-          <a:p>
-            <a:r>
-              <a:rPr lang="zh-CN" altLang="en-US"/>
-              <a:t>数据库组件（</a:t>
-            </a:r>
-            <a:r>
-              <a:rPr lang="en-US" altLang="zh-CN">
-                <a:sym typeface="+mn-ea"/>
-              </a:rPr>
-              <a:t>MO</a:t>
-            </a:r>
-            <a:r>
-              <a:rPr lang="en-US" altLang="zh-CN"/>
-              <a:t>DBToolkit</a:t>
-            </a:r>
-            <a:r>
-              <a:rPr lang="zh-CN" altLang="en-US"/>
-              <a:t>）</a:t>
-            </a:r>
-            <a:endParaRPr lang="zh-CN" altLang="en-US"/>
-          </a:p>
-          <a:p>
-            <a:r>
-              <a:rPr lang="en-US" altLang="zh-CN"/>
-              <a:t>Cookie</a:t>
-            </a:r>
-            <a:r>
-              <a:rPr lang="zh-CN" altLang="en-US"/>
-              <a:t>组件（</a:t>
-            </a:r>
-            <a:r>
-              <a:rPr lang="en-US" altLang="zh-CN">
-                <a:sym typeface="+mn-ea"/>
-              </a:rPr>
-              <a:t>MO</a:t>
-            </a:r>
-            <a:r>
-              <a:rPr lang="en-US" altLang="zh-CN"/>
-              <a:t>Cookie</a:t>
-            </a:r>
-            <a:r>
-              <a:rPr lang="zh-CN" altLang="en-US"/>
-              <a:t>）</a:t>
+              <a:t>头像组件（</a:t>
+            </a:r>
+            <a:r>
+              <a:rPr lang="en-US" altLang="zh-CN">
+                <a:sym typeface="+mn-ea"/>
+              </a:rPr>
+              <a:t>M</a:t>
+            </a:r>
+            <a:r>
+              <a:rPr lang="en-US" altLang="zh-CN"/>
+              <a:t>Head</a:t>
+            </a:r>
+            <a:r>
+              <a:rPr lang="zh-CN" altLang="en-US"/>
+              <a:t>）</a:t>
+            </a:r>
+            <a:endParaRPr lang="zh-CN" altLang="en-US"/>
+          </a:p>
+          <a:p>
+            <a:r>
+              <a:rPr lang="zh-CN" altLang="en-US"/>
+              <a:t>衣架肢体组件（</a:t>
+            </a:r>
+            <a:r>
+              <a:rPr lang="en-US" altLang="zh-CN">
+                <a:sym typeface="+mn-ea"/>
+              </a:rPr>
+              <a:t>M</a:t>
+            </a:r>
+            <a:r>
+              <a:rPr lang="en-US" altLang="zh-CN"/>
+              <a:t>H</a:t>
+            </a:r>
+            <a:r>
+              <a:rPr lang="zh-CN" altLang="en-US"/>
+              <a:t>anger）</a:t>
             </a:r>
             <a:endParaRPr lang="zh-CN" altLang="en-US"/>
           </a:p>
@@ -5541,7 +5436,9 @@
         </p:nvSpPr>
         <p:spPr/>
         <p:txBody>
-          <a:bodyPr/>
+          <a:bodyPr>
+            <a:normAutofit/>
+          </a:bodyPr>
           <a:p>
             <a:r>
               <a:rPr lang="en-US" altLang="zh-CN" b="1">
@@ -5595,9 +5492,11 @@
               <a:rPr lang="en-US" altLang="zh-CN">
                 <a:sym typeface="+mn-ea"/>
               </a:rPr>
-              <a:t>- 2</a:t>
-            </a:r>
-            <a:endParaRPr lang="zh-CN" altLang="en-US"/>
+              <a:t>- 1</a:t>
+            </a:r>
+            <a:endParaRPr lang="en-US" altLang="zh-CN">
+              <a:sym typeface="+mn-ea"/>
+            </a:endParaRPr>
           </a:p>
         </p:txBody>
       </p:sp>
@@ -5616,8 +5515,8 @@
           <a:bodyPr/>
           <a:p>
             <a:r>
-              <a:rPr lang="zh-CN" altLang="zh-CN"/>
-              <a:t>存储组件（</a:t>
+              <a:rPr lang="zh-CN" altLang="en-US"/>
+              <a:t>定时器组件（</a:t>
             </a:r>
             <a:r>
               <a:rPr lang="en-US" altLang="zh-CN">
@@ -5627,33 +5526,39 @@
             </a:r>
             <a:r>
               <a:rPr lang="en-US" altLang="zh-CN"/>
-              <a:t>Storage</a:t>
-            </a:r>
-            <a:r>
-              <a:rPr lang="zh-CN" altLang="zh-CN"/>
-              <a:t>）</a:t>
-            </a:r>
-            <a:endParaRPr lang="zh-CN" altLang="zh-CN"/>
-          </a:p>
-          <a:p>
-            <a:r>
-              <a:rPr lang="zh-CN" altLang="en-US"/>
-              <a:t>随机组件（</a:t>
-            </a:r>
-            <a:r>
-              <a:rPr lang="en-US" altLang="zh-CN"/>
-              <a:t>MORandom</a:t>
-            </a:r>
-            <a:r>
-              <a:rPr lang="zh-CN" altLang="en-US"/>
-              <a:t>）</a:t>
-            </a:r>
-            <a:endParaRPr lang="zh-CN" altLang="en-US"/>
-          </a:p>
-          <a:p>
-            <a:r>
-              <a:rPr lang="en-US" altLang="zh-CN"/>
-              <a:t>JSON</a:t>
+              <a:t>Timer</a:t>
+            </a:r>
+            <a:r>
+              <a:rPr lang="zh-CN" altLang="en-US"/>
+              <a:t>）</a:t>
+            </a:r>
+            <a:endParaRPr lang="zh-CN" altLang="en-US"/>
+          </a:p>
+          <a:p>
+            <a:r>
+              <a:rPr lang="zh-CN" altLang="en-US"/>
+              <a:t>点组件（</a:t>
+            </a:r>
+            <a:r>
+              <a:rPr lang="en-US" altLang="zh-CN">
+                <a:sym typeface="+mn-ea"/>
+              </a:rPr>
+              <a:t>MO</a:t>
+            </a:r>
+            <a:r>
+              <a:rPr lang="en-US" altLang="zh-CN"/>
+              <a:t>Point</a:t>
+            </a:r>
+            <a:r>
+              <a:rPr lang="zh-CN" altLang="en-US"/>
+              <a:t>）</a:t>
+            </a:r>
+            <a:endParaRPr lang="zh-CN" altLang="en-US"/>
+          </a:p>
+          <a:p>
+            <a:r>
+              <a:rPr lang="en-US" altLang="zh-CN"/>
+              <a:t>Base64</a:t>
             </a:r>
             <a:r>
               <a:rPr lang="zh-CN" altLang="en-US"/>
@@ -5667,18 +5572,18 @@
             </a:r>
             <a:r>
               <a:rPr lang="en-US" altLang="zh-CN"/>
-              <a:t>JSONToolkit</a:t>
-            </a:r>
-            <a:r>
-              <a:rPr lang="zh-CN" altLang="en-US"/>
-              <a:t>）</a:t>
-            </a:r>
-            <a:endParaRPr lang="zh-CN" altLang="en-US"/>
-          </a:p>
-          <a:p>
-            <a:r>
-              <a:rPr lang="zh-CN" altLang="en-US"/>
-              <a:t>请求组件（</a:t>
+              <a:t>Base64</a:t>
+            </a:r>
+            <a:r>
+              <a:rPr lang="zh-CN" altLang="en-US"/>
+              <a:t>）</a:t>
+            </a:r>
+            <a:endParaRPr lang="zh-CN" altLang="en-US"/>
+          </a:p>
+          <a:p>
+            <a:r>
+              <a:rPr lang="zh-CN" altLang="en-US"/>
+              <a:t>字符串格式化组件（</a:t>
             </a:r>
             <a:r>
               <a:rPr lang="en-US" altLang="zh-CN">
@@ -5688,18 +5593,18 @@
             </a:r>
             <a:r>
               <a:rPr lang="en-US" altLang="zh-CN"/>
-              <a:t>Poster</a:t>
-            </a:r>
-            <a:r>
-              <a:rPr lang="zh-CN" altLang="en-US"/>
-              <a:t>）</a:t>
-            </a:r>
-            <a:endParaRPr lang="zh-CN" altLang="en-US"/>
-          </a:p>
-          <a:p>
-            <a:r>
-              <a:rPr lang="zh-CN" altLang="en-US"/>
-              <a:t>对象操作组件（</a:t>
+              <a:t>StringFormat</a:t>
+            </a:r>
+            <a:r>
+              <a:rPr lang="zh-CN" altLang="en-US"/>
+              <a:t>）</a:t>
+            </a:r>
+            <a:endParaRPr lang="zh-CN" altLang="en-US"/>
+          </a:p>
+          <a:p>
+            <a:r>
+              <a:rPr lang="zh-CN" altLang="en-US"/>
+              <a:t>日期格式化组件（</a:t>
             </a:r>
             <a:r>
               <a:rPr lang="en-US" altLang="zh-CN">
@@ -5709,28 +5614,84 @@
             </a:r>
             <a:r>
               <a:rPr lang="en-US" altLang="zh-CN"/>
-              <a:t>ObjectToolkit</a:t>
-            </a:r>
-            <a:r>
-              <a:rPr lang="zh-CN" altLang="en-US"/>
-              <a:t>）</a:t>
-            </a:r>
-            <a:endParaRPr lang="zh-CN" altLang="en-US"/>
-          </a:p>
-          <a:p>
-            <a:r>
-              <a:rPr lang="zh-CN" altLang="zh-CN"/>
-              <a:t>前端多线程组件（</a:t>
-            </a:r>
-            <a:r>
-              <a:rPr lang="en-US" altLang="zh-CN"/>
-              <a:t>MORunable</a:t>
-            </a:r>
-            <a:r>
-              <a:rPr lang="zh-CN" altLang="zh-CN"/>
-              <a:t>）</a:t>
-            </a:r>
-            <a:endParaRPr lang="zh-CN" altLang="zh-CN"/>
+              <a:t>DateFormat</a:t>
+            </a:r>
+            <a:r>
+              <a:rPr lang="zh-CN" altLang="en-US"/>
+              <a:t>）</a:t>
+            </a:r>
+            <a:endParaRPr lang="zh-CN" altLang="en-US"/>
+          </a:p>
+          <a:p>
+            <a:r>
+              <a:rPr lang="en-US" altLang="zh-CN"/>
+              <a:t>WebSocket</a:t>
+            </a:r>
+            <a:r>
+              <a:rPr lang="zh-CN" altLang="en-US"/>
+              <a:t>组件（</a:t>
+            </a:r>
+            <a:r>
+              <a:rPr lang="en-US" altLang="zh-CN">
+                <a:sym typeface="+mn-ea"/>
+              </a:rPr>
+              <a:t>MO</a:t>
+            </a:r>
+            <a:r>
+              <a:rPr lang="en-US" altLang="zh-CN"/>
+              <a:t>WebSocket</a:t>
+            </a:r>
+            <a:r>
+              <a:rPr lang="zh-CN" altLang="en-US"/>
+              <a:t>）</a:t>
+            </a:r>
+            <a:endParaRPr lang="zh-CN" altLang="en-US"/>
+          </a:p>
+          <a:p>
+            <a:r>
+              <a:rPr lang="zh-CN" altLang="en-US"/>
+              <a:t>数据库组件（</a:t>
+            </a:r>
+            <a:r>
+              <a:rPr lang="en-US" altLang="zh-CN">
+                <a:sym typeface="+mn-ea"/>
+              </a:rPr>
+              <a:t>MO</a:t>
+            </a:r>
+            <a:r>
+              <a:rPr lang="en-US" altLang="zh-CN"/>
+              <a:t>DBToolkit</a:t>
+            </a:r>
+            <a:r>
+              <a:rPr lang="zh-CN" altLang="en-US"/>
+              <a:t>）</a:t>
+            </a:r>
+            <a:endParaRPr lang="zh-CN" altLang="en-US"/>
+          </a:p>
+          <a:p>
+            <a:r>
+              <a:rPr lang="en-US" altLang="zh-CN"/>
+              <a:t>Cookie</a:t>
+            </a:r>
+            <a:r>
+              <a:rPr lang="zh-CN" altLang="en-US"/>
+              <a:t>组件（</a:t>
+            </a:r>
+            <a:r>
+              <a:rPr lang="en-US" altLang="zh-CN">
+                <a:sym typeface="+mn-ea"/>
+              </a:rPr>
+              <a:t>MO</a:t>
+            </a:r>
+            <a:r>
+              <a:rPr lang="en-US" altLang="zh-CN"/>
+              <a:t>Cookie</a:t>
+            </a:r>
+            <a:r>
+              <a:rPr lang="zh-CN" altLang="en-US"/>
+              <a:t>）</a:t>
+            </a:r>
+            <a:endParaRPr lang="zh-CN" altLang="en-US"/>
           </a:p>
         </p:txBody>
       </p:sp>
@@ -5937,9 +5898,7 @@
         </p:nvSpPr>
         <p:spPr/>
         <p:txBody>
-          <a:bodyPr>
-            <a:normAutofit/>
-          </a:bodyPr>
+          <a:bodyPr/>
           <a:p>
             <a:r>
               <a:rPr lang="en-US" altLang="zh-CN" b="1">
@@ -5975,13 +5934,13 @@
               <a:rPr lang="zh-CN" altLang="en-US">
                 <a:sym typeface="+mn-ea"/>
               </a:rPr>
-              <a:t>游戏引擎组件（</a:t>
-            </a:r>
-            <a:r>
-              <a:rPr lang="en-US" altLang="zh-CN">
-                <a:sym typeface="+mn-ea"/>
-              </a:rPr>
-              <a:t>GameEngine</a:t>
+              <a:t>对象组件（</a:t>
+            </a:r>
+            <a:r>
+              <a:rPr lang="en-US" altLang="zh-CN">
+                <a:sym typeface="+mn-ea"/>
+              </a:rPr>
+              <a:t>Object</a:t>
             </a:r>
             <a:r>
               <a:rPr lang="zh-CN" altLang="en-US">
@@ -5989,6 +5948,12 @@
               </a:rPr>
               <a:t>）</a:t>
             </a:r>
+            <a:r>
+              <a:rPr lang="en-US" altLang="zh-CN">
+                <a:sym typeface="+mn-ea"/>
+              </a:rPr>
+              <a:t>- 2</a:t>
+            </a:r>
             <a:endParaRPr lang="zh-CN" altLang="en-US"/>
           </a:p>
         </p:txBody>
@@ -6008,118 +5973,121 @@
           <a:bodyPr/>
           <a:p>
             <a:r>
-              <a:rPr lang="zh-CN" altLang="en-US"/>
-              <a:t>物理引擎（</a:t>
-            </a:r>
-            <a:r>
-              <a:rPr lang="en-US" altLang="zh-CN"/>
-              <a:t>MG</a:t>
-            </a:r>
-            <a:r>
-              <a:rPr lang="zh-CN" altLang="en-US"/>
-              <a:t>Physics）</a:t>
-            </a:r>
-            <a:endParaRPr lang="zh-CN" altLang="en-US"/>
-          </a:p>
-          <a:p>
-            <a:r>
-              <a:rPr lang="zh-CN" altLang="en-US"/>
-              <a:t>碰撞检测系统</a:t>
-            </a:r>
-            <a:r>
-              <a:rPr lang="zh-CN" altLang="en-US">
-                <a:sym typeface="+mn-ea"/>
-              </a:rPr>
-              <a:t>（</a:t>
-            </a:r>
-            <a:r>
-              <a:rPr lang="en-US" altLang="zh-CN">
-                <a:sym typeface="+mn-ea"/>
-              </a:rPr>
-              <a:t>MGC</a:t>
-            </a:r>
-            <a:r>
-              <a:rPr lang="zh-CN" altLang="en-US">
-                <a:sym typeface="+mn-ea"/>
-              </a:rPr>
-              <a:t>ollision）</a:t>
-            </a:r>
-            <a:endParaRPr lang="zh-CN" altLang="en-US"/>
-          </a:p>
-          <a:p>
-            <a:r>
-              <a:rPr lang="zh-CN" altLang="en-US"/>
-              <a:t>场景引擎（</a:t>
-            </a:r>
-            <a:r>
-              <a:rPr lang="en-US" altLang="zh-CN">
-                <a:sym typeface="+mn-ea"/>
-              </a:rPr>
-              <a:t>MG</a:t>
-            </a:r>
-            <a:r>
-              <a:rPr lang="en-US" altLang="zh-CN"/>
-              <a:t>S</a:t>
-            </a:r>
-            <a:r>
-              <a:rPr lang="zh-CN" altLang="en-US"/>
-              <a:t>cene）</a:t>
-            </a:r>
-            <a:endParaRPr lang="en-US" altLang="zh-CN"/>
-          </a:p>
-          <a:p>
-            <a:r>
-              <a:rPr lang="zh-CN" altLang="en-US"/>
-              <a:t>人工智能引擎（</a:t>
-            </a:r>
-            <a:r>
-              <a:rPr lang="en-US" altLang="zh-CN">
-                <a:sym typeface="+mn-ea"/>
-              </a:rPr>
-              <a:t>MG</a:t>
-            </a:r>
-            <a:r>
-              <a:rPr lang="en-US" altLang="zh-CN"/>
-              <a:t>AI</a:t>
-            </a:r>
-            <a:r>
-              <a:rPr lang="zh-CN" altLang="en-US"/>
-              <a:t>）</a:t>
-            </a:r>
-            <a:endParaRPr lang="zh-CN" altLang="en-US"/>
-          </a:p>
-          <a:p>
-            <a:r>
-              <a:rPr lang="zh-CN" altLang="en-US"/>
-              <a:t>游戏商城引擎（</a:t>
-            </a:r>
-            <a:r>
-              <a:rPr lang="en-US" altLang="zh-CN"/>
-              <a:t>MGShop</a:t>
-            </a:r>
-            <a:r>
-              <a:rPr lang="zh-CN" altLang="en-US"/>
-              <a:t>）</a:t>
-            </a:r>
-            <a:endParaRPr lang="zh-CN" altLang="en-US"/>
-          </a:p>
-          <a:p>
-            <a:r>
-              <a:rPr lang="zh-CN" altLang="en-US"/>
-              <a:t>渲染引擎（</a:t>
-            </a:r>
-            <a:r>
-              <a:rPr lang="en-US" altLang="zh-CN"/>
-              <a:t>MGWebGLToolkit</a:t>
-            </a:r>
-            <a:r>
-              <a:rPr lang="zh-CN" altLang="en-US"/>
-              <a:t>）</a:t>
-            </a:r>
-            <a:endParaRPr lang="zh-CN" altLang="en-US"/>
-          </a:p>
-          <a:p>
-            <a:endParaRPr lang="zh-CN" altLang="en-US"/>
+              <a:rPr lang="zh-CN" altLang="zh-CN"/>
+              <a:t>存储组件（</a:t>
+            </a:r>
+            <a:r>
+              <a:rPr lang="en-US" altLang="zh-CN">
+                <a:sym typeface="+mn-ea"/>
+              </a:rPr>
+              <a:t>MO</a:t>
+            </a:r>
+            <a:r>
+              <a:rPr lang="en-US" altLang="zh-CN"/>
+              <a:t>Storage</a:t>
+            </a:r>
+            <a:r>
+              <a:rPr lang="zh-CN" altLang="zh-CN"/>
+              <a:t>）</a:t>
+            </a:r>
+            <a:endParaRPr lang="zh-CN" altLang="zh-CN"/>
+          </a:p>
+          <a:p>
+            <a:r>
+              <a:rPr lang="zh-CN" altLang="en-US"/>
+              <a:t>随机组件（</a:t>
+            </a:r>
+            <a:r>
+              <a:rPr lang="en-US" altLang="zh-CN"/>
+              <a:t>MORandom</a:t>
+            </a:r>
+            <a:r>
+              <a:rPr lang="zh-CN" altLang="en-US"/>
+              <a:t>）</a:t>
+            </a:r>
+            <a:endParaRPr lang="zh-CN" altLang="en-US"/>
+          </a:p>
+          <a:p>
+            <a:r>
+              <a:rPr lang="en-US" altLang="zh-CN"/>
+              <a:t>JSON</a:t>
+            </a:r>
+            <a:r>
+              <a:rPr lang="zh-CN" altLang="en-US"/>
+              <a:t>组件（</a:t>
+            </a:r>
+            <a:r>
+              <a:rPr lang="en-US" altLang="zh-CN">
+                <a:sym typeface="+mn-ea"/>
+              </a:rPr>
+              <a:t>MO</a:t>
+            </a:r>
+            <a:r>
+              <a:rPr lang="en-US" altLang="zh-CN"/>
+              <a:t>JSONToolkit</a:t>
+            </a:r>
+            <a:r>
+              <a:rPr lang="zh-CN" altLang="en-US"/>
+              <a:t>）</a:t>
+            </a:r>
+            <a:endParaRPr lang="zh-CN" altLang="en-US"/>
+          </a:p>
+          <a:p>
+            <a:r>
+              <a:rPr lang="zh-CN" altLang="en-US"/>
+              <a:t>请求组件（</a:t>
+            </a:r>
+            <a:r>
+              <a:rPr lang="en-US" altLang="zh-CN">
+                <a:sym typeface="+mn-ea"/>
+              </a:rPr>
+              <a:t>MO</a:t>
+            </a:r>
+            <a:r>
+              <a:rPr lang="en-US" altLang="zh-CN"/>
+              <a:t>Poster</a:t>
+            </a:r>
+            <a:r>
+              <a:rPr lang="zh-CN" altLang="en-US"/>
+              <a:t>）</a:t>
+            </a:r>
+            <a:endParaRPr lang="zh-CN" altLang="en-US"/>
+          </a:p>
+          <a:p>
+            <a:r>
+              <a:rPr lang="zh-CN" altLang="en-US"/>
+              <a:t>对象操作组件（</a:t>
+            </a:r>
+            <a:r>
+              <a:rPr lang="en-US" altLang="zh-CN">
+                <a:sym typeface="+mn-ea"/>
+              </a:rPr>
+              <a:t>MO</a:t>
+            </a:r>
+            <a:r>
+              <a:rPr lang="en-US" altLang="zh-CN"/>
+              <a:t>ObjectToolkit</a:t>
+            </a:r>
+            <a:r>
+              <a:rPr lang="zh-CN" altLang="en-US"/>
+              <a:t>）</a:t>
+            </a:r>
+            <a:endParaRPr lang="zh-CN" altLang="en-US"/>
+          </a:p>
+          <a:p>
+            <a:r>
+              <a:rPr lang="zh-CN" altLang="zh-CN"/>
+              <a:t>前端多线程组件（</a:t>
+            </a:r>
+            <a:r>
+              <a:rPr lang="en-US" altLang="zh-CN"/>
+              <a:t>MORunable</a:t>
+            </a:r>
+            <a:r>
+              <a:rPr lang="zh-CN" altLang="zh-CN"/>
+              <a:t>）</a:t>
+            </a:r>
+            <a:endParaRPr lang="zh-CN" altLang="zh-CN"/>
           </a:p>
         </p:txBody>
       </p:sp>
@@ -6132,6 +6100,222 @@
 </file>
 
 <file path=ppt/slides/slide21.xml><?xml version="1.0" encoding="utf-8"?>
+<p:sld xmlns:a="http://schemas.openxmlformats.org/drawingml/2006/main" xmlns:r="http://schemas.openxmlformats.org/officeDocument/2006/relationships" xmlns:p="http://schemas.openxmlformats.org/presentationml/2006/main">
+  <p:cSld>
+    <p:spTree>
+      <p:nvGrpSpPr>
+        <p:cNvPr id="1" name=""/>
+        <p:cNvGrpSpPr/>
+        <p:nvPr/>
+      </p:nvGrpSpPr>
+      <p:grpSpPr/>
+      <p:sp>
+        <p:nvSpPr>
+          <p:cNvPr id="2" name="标题 1"/>
+          <p:cNvSpPr>
+            <a:spLocks noGrp="1"/>
+          </p:cNvSpPr>
+          <p:nvPr>
+            <p:ph type="title"/>
+          </p:nvPr>
+        </p:nvSpPr>
+        <p:spPr/>
+        <p:txBody>
+          <a:bodyPr>
+            <a:normAutofit/>
+          </a:bodyPr>
+          <a:p>
+            <a:r>
+              <a:rPr lang="en-US" altLang="zh-CN" b="1">
+                <a:solidFill>
+                  <a:srgbClr val="00B050"/>
+                </a:solidFill>
+                <a:sym typeface="+mn-ea"/>
+              </a:rPr>
+              <a:t>Mofum</a:t>
+            </a:r>
+            <a:r>
+              <a:rPr lang="en-US" altLang="zh-CN">
+                <a:sym typeface="+mn-ea"/>
+              </a:rPr>
+              <a:t> </a:t>
+            </a:r>
+            <a:r>
+              <a:rPr lang="en-US" altLang="zh-CN" b="1">
+                <a:solidFill>
+                  <a:srgbClr val="00B0F0"/>
+                </a:solidFill>
+                <a:sym typeface="+mn-ea"/>
+              </a:rPr>
+              <a:t>UI</a:t>
+            </a:r>
+            <a:r>
+              <a:rPr lang="en-US" altLang="zh-CN">
+                <a:sym typeface="+mn-ea"/>
+              </a:rPr>
+              <a:t> - </a:t>
+            </a:r>
+            <a:r>
+              <a:rPr lang="zh-CN" altLang="en-US">
+                <a:sym typeface="+mn-ea"/>
+              </a:rPr>
+              <a:t>游戏引擎组件（</a:t>
+            </a:r>
+            <a:r>
+              <a:rPr lang="en-US" altLang="zh-CN">
+                <a:sym typeface="+mn-ea"/>
+              </a:rPr>
+              <a:t>GameEngine</a:t>
+            </a:r>
+            <a:r>
+              <a:rPr lang="zh-CN" altLang="en-US">
+                <a:sym typeface="+mn-ea"/>
+              </a:rPr>
+              <a:t>）</a:t>
+            </a:r>
+            <a:endParaRPr lang="zh-CN" altLang="en-US"/>
+          </a:p>
+        </p:txBody>
+      </p:sp>
+      <p:sp>
+        <p:nvSpPr>
+          <p:cNvPr id="3" name="内容占位符 2"/>
+          <p:cNvSpPr>
+            <a:spLocks noGrp="1"/>
+          </p:cNvSpPr>
+          <p:nvPr>
+            <p:ph idx="1"/>
+          </p:nvPr>
+        </p:nvSpPr>
+        <p:spPr/>
+        <p:txBody>
+          <a:bodyPr/>
+          <a:p>
+            <a:r>
+              <a:rPr lang="zh-CN" altLang="en-US"/>
+              <a:t>物理引擎（</a:t>
+            </a:r>
+            <a:r>
+              <a:rPr lang="en-US" altLang="zh-CN"/>
+              <a:t>MG</a:t>
+            </a:r>
+            <a:r>
+              <a:rPr lang="zh-CN" altLang="en-US"/>
+              <a:t>Physics）</a:t>
+            </a:r>
+            <a:endParaRPr lang="zh-CN" altLang="en-US"/>
+          </a:p>
+          <a:p>
+            <a:r>
+              <a:rPr lang="zh-CN" altLang="en-US"/>
+              <a:t>碰撞检测系统</a:t>
+            </a:r>
+            <a:r>
+              <a:rPr lang="zh-CN" altLang="en-US">
+                <a:sym typeface="+mn-ea"/>
+              </a:rPr>
+              <a:t>（</a:t>
+            </a:r>
+            <a:r>
+              <a:rPr lang="en-US" altLang="zh-CN">
+                <a:sym typeface="+mn-ea"/>
+              </a:rPr>
+              <a:t>MGC</a:t>
+            </a:r>
+            <a:r>
+              <a:rPr lang="zh-CN" altLang="en-US">
+                <a:sym typeface="+mn-ea"/>
+              </a:rPr>
+              <a:t>ollision）</a:t>
+            </a:r>
+            <a:endParaRPr lang="zh-CN" altLang="en-US"/>
+          </a:p>
+          <a:p>
+            <a:r>
+              <a:rPr lang="zh-CN" altLang="en-US"/>
+              <a:t>场景引擎（</a:t>
+            </a:r>
+            <a:r>
+              <a:rPr lang="en-US" altLang="zh-CN">
+                <a:sym typeface="+mn-ea"/>
+              </a:rPr>
+              <a:t>MG</a:t>
+            </a:r>
+            <a:r>
+              <a:rPr lang="en-US" altLang="zh-CN"/>
+              <a:t>S</a:t>
+            </a:r>
+            <a:r>
+              <a:rPr lang="zh-CN" altLang="en-US"/>
+              <a:t>cene）</a:t>
+            </a:r>
+            <a:endParaRPr lang="en-US" altLang="zh-CN"/>
+          </a:p>
+          <a:p>
+            <a:r>
+              <a:rPr lang="zh-CN" altLang="en-US"/>
+              <a:t>人工智能引擎（</a:t>
+            </a:r>
+            <a:r>
+              <a:rPr lang="en-US" altLang="zh-CN">
+                <a:sym typeface="+mn-ea"/>
+              </a:rPr>
+              <a:t>MG</a:t>
+            </a:r>
+            <a:r>
+              <a:rPr lang="en-US" altLang="zh-CN"/>
+              <a:t>AI</a:t>
+            </a:r>
+            <a:r>
+              <a:rPr lang="zh-CN" altLang="en-US"/>
+              <a:t>）</a:t>
+            </a:r>
+            <a:endParaRPr lang="zh-CN" altLang="en-US"/>
+          </a:p>
+          <a:p>
+            <a:r>
+              <a:rPr lang="zh-CN" altLang="en-US"/>
+              <a:t>游戏商城引擎（</a:t>
+            </a:r>
+            <a:r>
+              <a:rPr lang="en-US" altLang="zh-CN"/>
+              <a:t>MGShop</a:t>
+            </a:r>
+            <a:r>
+              <a:rPr lang="zh-CN" altLang="en-US"/>
+              <a:t>）</a:t>
+            </a:r>
+            <a:endParaRPr lang="zh-CN" altLang="en-US"/>
+          </a:p>
+          <a:p>
+            <a:r>
+              <a:rPr lang="zh-CN" altLang="en-US"/>
+              <a:t>渲染引擎（</a:t>
+            </a:r>
+            <a:r>
+              <a:rPr lang="en-US" altLang="zh-CN"/>
+              <a:t>MGWebGLToolkit</a:t>
+            </a:r>
+            <a:r>
+              <a:rPr lang="zh-CN" altLang="en-US"/>
+              <a:t>）</a:t>
+            </a:r>
+            <a:endParaRPr lang="zh-CN" altLang="en-US"/>
+          </a:p>
+          <a:p>
+            <a:endParaRPr lang="zh-CN" altLang="en-US"/>
+          </a:p>
+        </p:txBody>
+      </p:sp>
+    </p:spTree>
+  </p:cSld>
+  <p:clrMapOvr>
+    <a:masterClrMapping/>
+  </p:clrMapOvr>
+</p:sld>
+</file>
+
+<file path=ppt/slides/slide22.xml><?xml version="1.0" encoding="utf-8"?>
 <p:sld xmlns:a="http://schemas.openxmlformats.org/drawingml/2006/main" xmlns:r="http://schemas.openxmlformats.org/officeDocument/2006/relationships" xmlns:p="http://schemas.openxmlformats.org/presentationml/2006/main">
   <p:cSld>
     <p:spTree>
@@ -6579,7 +6763,7 @@
 </p:sld>
 </file>
 
-<file path=ppt/slides/slide22.xml><?xml version="1.0" encoding="utf-8"?>
+<file path=ppt/slides/slide23.xml><?xml version="1.0" encoding="utf-8"?>
 <p:sld xmlns:a="http://schemas.openxmlformats.org/drawingml/2006/main" xmlns:r="http://schemas.openxmlformats.org/officeDocument/2006/relationships" xmlns:p="http://schemas.openxmlformats.org/presentationml/2006/main">
   <p:cSld>
     <p:spTree>
@@ -7007,7 +7191,7 @@
 </p:sld>
 </file>
 
-<file path=ppt/slides/slide23.xml><?xml version="1.0" encoding="utf-8"?>
+<file path=ppt/slides/slide24.xml><?xml version="1.0" encoding="utf-8"?>
 <p:sld xmlns:a="http://schemas.openxmlformats.org/drawingml/2006/main" xmlns:r="http://schemas.openxmlformats.org/officeDocument/2006/relationships" xmlns:p="http://schemas.openxmlformats.org/presentationml/2006/main">
   <p:cSld>
     <p:spTree>
@@ -7118,6 +7302,319 @@
               <a:t>界面。</a:t>
             </a:r>
             <a:endParaRPr lang="zh-CN" altLang="en-US"/>
+          </a:p>
+        </p:txBody>
+      </p:sp>
+    </p:spTree>
+  </p:cSld>
+  <p:clrMapOvr>
+    <a:masterClrMapping/>
+  </p:clrMapOvr>
+</p:sld>
+</file>
+
+<file path=ppt/slides/slide25.xml><?xml version="1.0" encoding="utf-8"?>
+<p:sld xmlns:a="http://schemas.openxmlformats.org/drawingml/2006/main" xmlns:r="http://schemas.openxmlformats.org/officeDocument/2006/relationships" xmlns:p="http://schemas.openxmlformats.org/presentationml/2006/main">
+  <p:cSld>
+    <p:spTree>
+      <p:nvGrpSpPr>
+        <p:cNvPr id="1" name=""/>
+        <p:cNvGrpSpPr/>
+        <p:nvPr/>
+      </p:nvGrpSpPr>
+      <p:grpSpPr/>
+      <p:sp>
+        <p:nvSpPr>
+          <p:cNvPr id="2" name="标题 1"/>
+          <p:cNvSpPr>
+            <a:spLocks noGrp="1"/>
+          </p:cNvSpPr>
+          <p:nvPr>
+            <p:ph type="title"/>
+          </p:nvPr>
+        </p:nvSpPr>
+        <p:spPr/>
+        <p:txBody>
+          <a:bodyPr/>
+          <a:p>
+            <a:r>
+              <a:rPr lang="en-US" altLang="zh-CN" b="1">
+                <a:solidFill>
+                  <a:srgbClr val="00B050"/>
+                </a:solidFill>
+                <a:sym typeface="+mn-ea"/>
+              </a:rPr>
+              <a:t>Mofum</a:t>
+            </a:r>
+            <a:r>
+              <a:rPr lang="en-US" altLang="zh-CN">
+                <a:sym typeface="+mn-ea"/>
+              </a:rPr>
+              <a:t> </a:t>
+            </a:r>
+            <a:r>
+              <a:rPr lang="en-US" altLang="zh-CN" b="1">
+                <a:solidFill>
+                  <a:srgbClr val="00B0F0"/>
+                </a:solidFill>
+                <a:sym typeface="+mn-ea"/>
+              </a:rPr>
+              <a:t>UI</a:t>
+            </a:r>
+            <a:r>
+              <a:rPr lang="en-US" altLang="zh-CN">
+                <a:sym typeface="+mn-ea"/>
+              </a:rPr>
+              <a:t> - </a:t>
+            </a:r>
+            <a:r>
+              <a:rPr lang="zh-CN" altLang="en-US">
+                <a:sym typeface="+mn-ea"/>
+              </a:rPr>
+              <a:t>优点</a:t>
+            </a:r>
+            <a:endParaRPr lang="zh-CN" altLang="en-US">
+              <a:sym typeface="+mn-ea"/>
+            </a:endParaRPr>
+          </a:p>
+        </p:txBody>
+      </p:sp>
+      <p:sp>
+        <p:nvSpPr>
+          <p:cNvPr id="3" name="内容占位符 2"/>
+          <p:cNvSpPr>
+            <a:spLocks noGrp="1"/>
+          </p:cNvSpPr>
+          <p:nvPr>
+            <p:ph idx="1"/>
+          </p:nvPr>
+        </p:nvSpPr>
+        <p:spPr/>
+        <p:txBody>
+          <a:bodyPr>
+            <a:normAutofit fontScale="90000" lnSpcReduction="10000"/>
+          </a:bodyPr>
+          <a:p>
+            <a:r>
+              <a:rPr lang="zh-CN" altLang="en-US"/>
+              <a:t>面向对象的特性，使它的组件高度灵活可以继承修改重写，而不会影响整个框架的生态。</a:t>
+            </a:r>
+            <a:endParaRPr lang="zh-CN" altLang="en-US"/>
+          </a:p>
+          <a:p>
+            <a:r>
+              <a:rPr lang="zh-CN" altLang="en-US"/>
+              <a:t>模块化编程，完全沿袭了</a:t>
+            </a:r>
+            <a:r>
+              <a:rPr lang="en-US" altLang="zh-CN"/>
+              <a:t>Requare</a:t>
+            </a:r>
+            <a:r>
+              <a:rPr lang="zh-CN" altLang="en-US"/>
+              <a:t>的</a:t>
+            </a:r>
+            <a:r>
+              <a:rPr lang="en-US" altLang="zh-CN"/>
+              <a:t>AMD</a:t>
+            </a:r>
+            <a:r>
+              <a:rPr lang="zh-CN" altLang="en-US"/>
+              <a:t>规范。你可以编写更加复杂且非常容易维护的单页应用。</a:t>
+            </a:r>
+            <a:endParaRPr lang="zh-CN" altLang="en-US"/>
+          </a:p>
+          <a:p>
+            <a:r>
+              <a:rPr lang="zh-CN" altLang="en-US"/>
+              <a:t>组件的兼容性异常良好，除极个别是</a:t>
+            </a:r>
+            <a:r>
+              <a:rPr lang="en-US" altLang="zh-CN"/>
+              <a:t>HTML5</a:t>
+            </a:r>
+            <a:r>
+              <a:rPr lang="zh-CN" altLang="en-US"/>
+              <a:t>标准，浏览器本身不支持的情况下。几乎可以做到最大化的兼容。有些组件甚至兼容</a:t>
+            </a:r>
+            <a:r>
+              <a:rPr lang="en-US" altLang="zh-CN"/>
+              <a:t>IE5</a:t>
+            </a:r>
+            <a:r>
+              <a:rPr lang="zh-CN" altLang="en-US"/>
+              <a:t>。</a:t>
+            </a:r>
+            <a:endParaRPr lang="zh-CN" altLang="en-US"/>
+          </a:p>
+          <a:p>
+            <a:r>
+              <a:rPr lang="zh-CN" altLang="en-US"/>
+              <a:t>源代码极其简单、没有什么高难度的，隐晦难懂的代码。前提是你要有面向对象的编程思维。</a:t>
+            </a:r>
+            <a:endParaRPr lang="zh-CN" altLang="en-US"/>
+          </a:p>
+          <a:p>
+            <a:r>
+              <a:rPr lang="zh-CN" altLang="en-US"/>
+              <a:t>基于</a:t>
+            </a:r>
+            <a:r>
+              <a:rPr lang="en-US" altLang="zh-CN"/>
+              <a:t>MIT</a:t>
+            </a:r>
+            <a:r>
+              <a:rPr lang="zh-CN" altLang="en-US"/>
+              <a:t>协议，你完全可以商用，我们只奉承开源政策，但是使用它你必须自己承担一切风险责任（话说每个框架都是这样的）。</a:t>
+            </a:r>
+            <a:endParaRPr lang="zh-CN" altLang="en-US"/>
+          </a:p>
+          <a:p>
+            <a:r>
+              <a:rPr lang="zh-CN" altLang="en-US"/>
+              <a:t>大量的基础组件，我相信你完全有能力进行二次开发。而且代码量极少。</a:t>
+            </a:r>
+            <a:endParaRPr lang="zh-CN" altLang="en-US"/>
+          </a:p>
+          <a:p>
+            <a:pPr marL="0" indent="0">
+              <a:buNone/>
+            </a:pPr>
+            <a:endParaRPr lang="zh-CN" altLang="en-US"/>
+          </a:p>
+        </p:txBody>
+      </p:sp>
+    </p:spTree>
+  </p:cSld>
+  <p:clrMapOvr>
+    <a:masterClrMapping/>
+  </p:clrMapOvr>
+</p:sld>
+</file>
+
+<file path=ppt/slides/slide26.xml><?xml version="1.0" encoding="utf-8"?>
+<p:sld xmlns:a="http://schemas.openxmlformats.org/drawingml/2006/main" xmlns:r="http://schemas.openxmlformats.org/officeDocument/2006/relationships" xmlns:p="http://schemas.openxmlformats.org/presentationml/2006/main">
+  <p:cSld>
+    <p:spTree>
+      <p:nvGrpSpPr>
+        <p:cNvPr id="1" name=""/>
+        <p:cNvGrpSpPr/>
+        <p:nvPr/>
+      </p:nvGrpSpPr>
+      <p:grpSpPr/>
+      <p:sp>
+        <p:nvSpPr>
+          <p:cNvPr id="2" name="标题 1"/>
+          <p:cNvSpPr>
+            <a:spLocks noGrp="1"/>
+          </p:cNvSpPr>
+          <p:nvPr>
+            <p:ph type="title"/>
+          </p:nvPr>
+        </p:nvSpPr>
+        <p:spPr/>
+        <p:txBody>
+          <a:bodyPr>
+            <a:normAutofit/>
+          </a:bodyPr>
+          <a:p>
+            <a:r>
+              <a:rPr lang="en-US" altLang="zh-CN" b="1">
+                <a:solidFill>
+                  <a:srgbClr val="00B050"/>
+                </a:solidFill>
+                <a:sym typeface="+mn-ea"/>
+              </a:rPr>
+              <a:t>Mofum</a:t>
+            </a:r>
+            <a:r>
+              <a:rPr lang="en-US" altLang="zh-CN">
+                <a:sym typeface="+mn-ea"/>
+              </a:rPr>
+              <a:t> </a:t>
+            </a:r>
+            <a:r>
+              <a:rPr lang="en-US" altLang="zh-CN" b="1">
+                <a:solidFill>
+                  <a:srgbClr val="00B0F0"/>
+                </a:solidFill>
+                <a:sym typeface="+mn-ea"/>
+              </a:rPr>
+              <a:t>UI</a:t>
+            </a:r>
+            <a:r>
+              <a:rPr lang="en-US" altLang="zh-CN">
+                <a:sym typeface="+mn-ea"/>
+              </a:rPr>
+              <a:t> - </a:t>
+            </a:r>
+            <a:r>
+              <a:rPr lang="zh-CN" altLang="en-US">
+                <a:sym typeface="+mn-ea"/>
+              </a:rPr>
+              <a:t>优点</a:t>
+            </a:r>
+            <a:endParaRPr lang="zh-CN" altLang="en-US"/>
+          </a:p>
+        </p:txBody>
+      </p:sp>
+      <p:sp>
+        <p:nvSpPr>
+          <p:cNvPr id="3" name="内容占位符 2"/>
+          <p:cNvSpPr>
+            <a:spLocks noGrp="1"/>
+          </p:cNvSpPr>
+          <p:nvPr>
+            <p:ph idx="1"/>
+          </p:nvPr>
+        </p:nvSpPr>
+        <p:spPr/>
+        <p:txBody>
+          <a:bodyPr/>
+          <a:p>
+            <a:r>
+              <a:rPr lang="zh-CN" altLang="en-US"/>
+              <a:t>学习成本异常低廉。因为你根本不需要考虑学</a:t>
+            </a:r>
+            <a:r>
+              <a:rPr lang="en-US" altLang="zh-CN"/>
+              <a:t>CSS,HTML</a:t>
+            </a:r>
+            <a:r>
+              <a:rPr lang="zh-CN" altLang="en-US"/>
+              <a:t>，你就能做出非常好看，炫酷的网页。</a:t>
+            </a:r>
+            <a:endParaRPr lang="zh-CN" altLang="en-US"/>
+          </a:p>
+          <a:p>
+            <a:r>
+              <a:rPr lang="zh-CN" altLang="en-US"/>
+              <a:t>可以采取多源加载各个模块，可以从根本上提高网页的加载速度。</a:t>
+            </a:r>
+            <a:endParaRPr lang="zh-CN" altLang="en-US"/>
+          </a:p>
+          <a:p>
+            <a:r>
+              <a:rPr lang="zh-CN" altLang="en-US"/>
+              <a:t>我们的组件都可以用一句话形容，不仅仅只是</a:t>
+            </a:r>
+            <a:r>
+              <a:rPr lang="en-US" altLang="zh-CN"/>
+              <a:t>...</a:t>
+            </a:r>
+            <a:r>
+              <a:rPr lang="zh-CN" altLang="en-US"/>
+              <a:t>来形容。比如轮播，不仅仅只是图片轮播，它还可以轮播组件。再比如弹幕，不仅仅只是文字弹幕，它可以发送一个任意的</a:t>
+            </a:r>
+            <a:r>
+              <a:rPr lang="en-US" altLang="zh-CN"/>
+              <a:t>UI</a:t>
+            </a:r>
+            <a:r>
+              <a:rPr lang="zh-CN" altLang="en-US"/>
+              <a:t>组件。</a:t>
+            </a:r>
+            <a:endParaRPr lang="en-US" altLang="zh-CN"/>
           </a:p>
         </p:txBody>
       </p:sp>
@@ -7788,6 +8285,21 @@
             </a:r>
             <a:endParaRPr lang="zh-CN" altLang="en-US"/>
           </a:p>
+          <a:p>
+            <a:r>
+              <a:rPr lang="zh-CN" altLang="zh-CN"/>
+              <a:t>验证包装器（</a:t>
+            </a:r>
+            <a:r>
+              <a:rPr lang="en-US" altLang="zh-CN"/>
+              <a:t>MWValidation</a:t>
+            </a:r>
+            <a:r>
+              <a:rPr lang="zh-CN" altLang="zh-CN"/>
+              <a:t>）</a:t>
+            </a:r>
+            <a:endParaRPr lang="zh-CN" altLang="zh-CN"/>
+          </a:p>
         </p:txBody>
       </p:sp>
     </p:spTree>
@@ -8405,7 +8917,7 @@
               <a:rPr lang="zh-CN" altLang="en-US">
                 <a:sym typeface="+mn-ea"/>
               </a:rPr>
-              <a:t>菜单</a:t>
+              <a:t>日历</a:t>
             </a:r>
             <a:r>
               <a:rPr lang="zh-CN" altLang="en-US">
@@ -8417,7 +8929,7 @@
               <a:rPr lang="en-US" altLang="zh-CN">
                 <a:sym typeface="+mn-ea"/>
               </a:rPr>
-              <a:t>Menu</a:t>
+              <a:t>Calendar</a:t>
             </a:r>
             <a:r>
               <a:rPr lang="zh-CN" altLang="en-US">
@@ -8445,80 +8957,21 @@
           <a:p>
             <a:r>
               <a:rPr lang="zh-CN" altLang="en-US"/>
-              <a:t>菜单（</a:t>
-            </a:r>
-            <a:r>
-              <a:rPr lang="en-US" altLang="zh-CN"/>
-              <a:t>MMenu</a:t>
-            </a:r>
-            <a:r>
-              <a:rPr lang="zh-CN" altLang="en-US"/>
-              <a:t>）</a:t>
-            </a:r>
-            <a:endParaRPr lang="zh-CN" altLang="en-US"/>
-          </a:p>
-          <a:p>
-            <a:r>
-              <a:rPr lang="zh-CN" altLang="en-US"/>
-              <a:t>菜单栏（</a:t>
-            </a:r>
-            <a:r>
-              <a:rPr lang="en-US" altLang="zh-CN"/>
-              <a:t>MMenuBar</a:t>
-            </a:r>
-            <a:r>
-              <a:rPr lang="zh-CN" altLang="en-US"/>
-              <a:t>）</a:t>
-            </a:r>
-            <a:endParaRPr lang="zh-CN" altLang="en-US"/>
-          </a:p>
-          <a:p>
-            <a:r>
-              <a:rPr lang="zh-CN" altLang="en-US"/>
-              <a:t>网页菜单</a:t>
-            </a:r>
-            <a:r>
-              <a:rPr lang="zh-CN" altLang="en-US">
-                <a:sym typeface="+mn-ea"/>
-              </a:rPr>
-              <a:t>（</a:t>
-            </a:r>
-            <a:r>
-              <a:rPr lang="en-US" altLang="zh-CN">
-                <a:sym typeface="+mn-ea"/>
-              </a:rPr>
-              <a:t>MMenuContext</a:t>
-            </a:r>
-            <a:r>
-              <a:rPr lang="zh-CN" altLang="en-US">
-                <a:sym typeface="+mn-ea"/>
-              </a:rPr>
-              <a:t>）</a:t>
-            </a:r>
-            <a:endParaRPr lang="zh-CN" altLang="en-US"/>
-          </a:p>
-          <a:p>
-            <a:r>
-              <a:rPr lang="zh-CN" altLang="en-US"/>
-              <a:t>菜单项</a:t>
-            </a:r>
-            <a:r>
-              <a:rPr lang="zh-CN" altLang="en-US">
-                <a:sym typeface="+mn-ea"/>
-              </a:rPr>
-              <a:t>（</a:t>
-            </a:r>
-            <a:r>
-              <a:rPr lang="en-US" altLang="zh-CN">
-                <a:sym typeface="+mn-ea"/>
-              </a:rPr>
-              <a:t>MMenuItem</a:t>
-            </a:r>
-            <a:r>
-              <a:rPr lang="zh-CN" altLang="en-US">
-                <a:sym typeface="+mn-ea"/>
-              </a:rPr>
-              <a:t>）</a:t>
+              <a:t>日历（MCDCalendar）</a:t>
+            </a:r>
+            <a:endParaRPr lang="zh-CN" altLang="en-US"/>
+          </a:p>
+          <a:p>
+            <a:r>
+              <a:rPr lang="zh-CN" altLang="en-US"/>
+              <a:t>时间选择器（MCDTime）</a:t>
+            </a:r>
+            <a:endParaRPr lang="zh-CN" altLang="en-US"/>
+          </a:p>
+          <a:p>
+            <a:r>
+              <a:rPr lang="zh-CN" altLang="en-US"/>
+              <a:t>时间选择器（MCDDatetime）</a:t>
             </a:r>
             <a:endParaRPr lang="zh-CN" altLang="en-US"/>
           </a:p>
